--- a/assignments/Presentation3/LanguageModelSlides.pptx
+++ b/assignments/Presentation3/LanguageModelSlides.pptx
@@ -5,7 +5,7 @@
     <p:sldMasterId id="2147483762" r:id="rId1"/>
   </p:sldMasterIdLst>
   <p:notesMasterIdLst>
-    <p:notesMasterId r:id="rId10"/>
+    <p:notesMasterId r:id="rId19"/>
   </p:notesMasterIdLst>
   <p:sldIdLst>
     <p:sldId id="259" r:id="rId2"/>
@@ -13,9 +13,18 @@
     <p:sldId id="266" r:id="rId4"/>
     <p:sldId id="261" r:id="rId5"/>
     <p:sldId id="267" r:id="rId6"/>
-    <p:sldId id="263" r:id="rId7"/>
-    <p:sldId id="264" r:id="rId8"/>
-    <p:sldId id="265" r:id="rId9"/>
+    <p:sldId id="269" r:id="rId7"/>
+    <p:sldId id="268" r:id="rId8"/>
+    <p:sldId id="264" r:id="rId9"/>
+    <p:sldId id="271" r:id="rId10"/>
+    <p:sldId id="270" r:id="rId11"/>
+    <p:sldId id="272" r:id="rId12"/>
+    <p:sldId id="265" r:id="rId13"/>
+    <p:sldId id="274" r:id="rId14"/>
+    <p:sldId id="275" r:id="rId15"/>
+    <p:sldId id="276" r:id="rId16"/>
+    <p:sldId id="273" r:id="rId17"/>
+    <p:sldId id="277" r:id="rId18"/>
   </p:sldIdLst>
   <p:sldSz cx="12192000" cy="6858000"/>
   <p:notesSz cx="6858000" cy="9144000"/>
@@ -3632,7 +3641,43 @@
             </a:pPr>
             <a:r>
               <a:rPr lang="en-US" sz="5800" dirty="0"/>
-              <a:t>A Markov random field model for term dependencies</a:t>
+              <a:t>A Markov </a:t>
+            </a:r>
+            <a:r>
+              <a:rPr lang="en-US" sz="5800" dirty="0" smtClean="0"/>
+              <a:t>Random </a:t>
+            </a:r>
+            <a:r>
+              <a:rPr lang="en-US" sz="5800" dirty="0"/>
+              <a:t>F</a:t>
+            </a:r>
+            <a:r>
+              <a:rPr lang="en-US" sz="5800" dirty="0" smtClean="0"/>
+              <a:t>ield </a:t>
+            </a:r>
+            <a:r>
+              <a:rPr lang="en-US" sz="5800" dirty="0"/>
+              <a:t>M</a:t>
+            </a:r>
+            <a:r>
+              <a:rPr lang="en-US" sz="5800" dirty="0" smtClean="0"/>
+              <a:t>odel </a:t>
+            </a:r>
+            <a:r>
+              <a:rPr lang="en-US" sz="5800" dirty="0"/>
+              <a:t>for </a:t>
+            </a:r>
+            <a:r>
+              <a:rPr lang="en-US" sz="5800" dirty="0" smtClean="0"/>
+              <a:t>Term </a:t>
+            </a:r>
+            <a:r>
+              <a:rPr lang="en-US" sz="5800" dirty="0"/>
+              <a:t>D</a:t>
+            </a:r>
+            <a:r>
+              <a:rPr lang="en-US" sz="5800" dirty="0" smtClean="0"/>
+              <a:t>ependencies</a:t>
             </a:r>
             <a:endParaRPr lang="en-US" sz="5800" dirty="0">
               <a:solidFill>
@@ -3723,6 +3768,1660 @@
     <p:extLst>
       <p:ext uri="{BB962C8B-B14F-4D97-AF65-F5344CB8AC3E}">
         <p14:creationId xmlns:p14="http://schemas.microsoft.com/office/powerpoint/2010/main" val="3664917054"/>
+      </p:ext>
+    </p:extLst>
+  </p:cSld>
+  <p:clrMapOvr>
+    <a:masterClrMapping/>
+  </p:clrMapOvr>
+</p:sld>
+</file>
+
+<file path=ppt/slides/slide10.xml><?xml version="1.0" encoding="utf-8"?>
+<p:sld xmlns:a="http://schemas.openxmlformats.org/drawingml/2006/main" xmlns:r="http://schemas.openxmlformats.org/officeDocument/2006/relationships" xmlns:p="http://schemas.openxmlformats.org/presentationml/2006/main">
+  <p:cSld>
+    <p:spTree>
+      <p:nvGrpSpPr>
+        <p:cNvPr id="1" name=""/>
+        <p:cNvGrpSpPr/>
+        <p:nvPr/>
+      </p:nvGrpSpPr>
+      <p:grpSpPr>
+        <a:xfrm>
+          <a:off x="0" y="0"/>
+          <a:ext cx="0" cy="0"/>
+          <a:chOff x="0" y="0"/>
+          <a:chExt cx="0" cy="0"/>
+        </a:xfrm>
+      </p:grpSpPr>
+      <p:sp>
+        <p:nvSpPr>
+          <p:cNvPr id="2" name="Title 1"/>
+          <p:cNvSpPr>
+            <a:spLocks noGrp="1"/>
+          </p:cNvSpPr>
+          <p:nvPr>
+            <p:ph type="title"/>
+          </p:nvPr>
+        </p:nvSpPr>
+        <p:spPr/>
+        <p:txBody>
+          <a:bodyPr/>
+          <a:lstStyle/>
+          <a:p>
+            <a:r>
+              <a:rPr lang="en-US" dirty="0" smtClean="0"/>
+              <a:t>Conclusion</a:t>
+            </a:r>
+            <a:endParaRPr lang="en-US" dirty="0"/>
+          </a:p>
+        </p:txBody>
+      </p:sp>
+      <p:sp>
+        <p:nvSpPr>
+          <p:cNvPr id="3" name="Content Placeholder 2"/>
+          <p:cNvSpPr>
+            <a:spLocks noGrp="1"/>
+          </p:cNvSpPr>
+          <p:nvPr>
+            <p:ph idx="1"/>
+          </p:nvPr>
+        </p:nvSpPr>
+        <p:spPr>
+          <a:xfrm>
+            <a:off x="838200" y="1825625"/>
+            <a:ext cx="10993582" cy="4351338"/>
+          </a:xfrm>
+        </p:spPr>
+        <p:txBody>
+          <a:bodyPr/>
+          <a:lstStyle/>
+          <a:p>
+            <a:r>
+              <a:rPr lang="en-US" dirty="0" smtClean="0"/>
+              <a:t>New language model incorporating term dependence</a:t>
+            </a:r>
+          </a:p>
+          <a:p>
+            <a:r>
+              <a:rPr lang="en-US" dirty="0" smtClean="0"/>
+              <a:t>Outperforms unigram dependence model</a:t>
+            </a:r>
+          </a:p>
+          <a:p>
+            <a:r>
+              <a:rPr lang="en-US" dirty="0" smtClean="0"/>
+              <a:t>In practice bigram language model is good approximation</a:t>
+            </a:r>
+          </a:p>
+          <a:p>
+            <a:pPr lvl="1"/>
+            <a:r>
+              <a:rPr lang="en-US" dirty="0" smtClean="0"/>
+              <a:t>Only slightly worse performance</a:t>
+            </a:r>
+          </a:p>
+          <a:p>
+            <a:pPr lvl="1"/>
+            <a:r>
+              <a:rPr lang="en-US" dirty="0" smtClean="0"/>
+              <a:t>Less complex</a:t>
+            </a:r>
+            <a:endParaRPr lang="en-US" dirty="0"/>
+          </a:p>
+        </p:txBody>
+      </p:sp>
+      <p:sp>
+        <p:nvSpPr>
+          <p:cNvPr id="4" name="Slide Number Placeholder 3"/>
+          <p:cNvSpPr>
+            <a:spLocks noGrp="1"/>
+          </p:cNvSpPr>
+          <p:nvPr>
+            <p:ph type="sldNum" sz="quarter" idx="12"/>
+          </p:nvPr>
+        </p:nvSpPr>
+        <p:spPr/>
+        <p:txBody>
+          <a:bodyPr/>
+          <a:lstStyle/>
+          <a:p>
+            <a:fld id="{38A27C39-69BC-486E-A789-EB1E62B74FE5}" type="slidenum">
+              <a:rPr lang="en-US" smtClean="0"/>
+              <a:t>10</a:t>
+            </a:fld>
+            <a:endParaRPr lang="en-US"/>
+          </a:p>
+        </p:txBody>
+      </p:sp>
+    </p:spTree>
+    <p:extLst>
+      <p:ext uri="{BB962C8B-B14F-4D97-AF65-F5344CB8AC3E}">
+        <p14:creationId xmlns:p14="http://schemas.microsoft.com/office/powerpoint/2010/main" val="1436514108"/>
+      </p:ext>
+    </p:extLst>
+  </p:cSld>
+  <p:clrMapOvr>
+    <a:masterClrMapping/>
+  </p:clrMapOvr>
+</p:sld>
+</file>
+
+<file path=ppt/slides/slide11.xml><?xml version="1.0" encoding="utf-8"?>
+<p:sld xmlns:a="http://schemas.openxmlformats.org/drawingml/2006/main" xmlns:r="http://schemas.openxmlformats.org/officeDocument/2006/relationships" xmlns:p="http://schemas.openxmlformats.org/presentationml/2006/main">
+  <p:cSld>
+    <p:spTree>
+      <p:nvGrpSpPr>
+        <p:cNvPr id="1" name=""/>
+        <p:cNvGrpSpPr/>
+        <p:nvPr/>
+      </p:nvGrpSpPr>
+      <p:grpSpPr>
+        <a:xfrm>
+          <a:off x="0" y="0"/>
+          <a:ext cx="0" cy="0"/>
+          <a:chOff x="0" y="0"/>
+          <a:chExt cx="0" cy="0"/>
+        </a:xfrm>
+      </p:grpSpPr>
+      <p:sp>
+        <p:nvSpPr>
+          <p:cNvPr id="2" name="Title 1"/>
+          <p:cNvSpPr>
+            <a:spLocks noGrp="1"/>
+          </p:cNvSpPr>
+          <p:nvPr>
+            <p:ph type="title"/>
+          </p:nvPr>
+        </p:nvSpPr>
+        <p:spPr/>
+        <p:txBody>
+          <a:bodyPr/>
+          <a:lstStyle/>
+          <a:p>
+            <a:r>
+              <a:rPr lang="en-US" dirty="0"/>
+              <a:t>A Markov Random Field for Term Dependencies</a:t>
+            </a:r>
+          </a:p>
+        </p:txBody>
+      </p:sp>
+      <p:sp>
+        <p:nvSpPr>
+          <p:cNvPr id="3" name="Content Placeholder 2"/>
+          <p:cNvSpPr>
+            <a:spLocks noGrp="1"/>
+          </p:cNvSpPr>
+          <p:nvPr>
+            <p:ph idx="1"/>
+          </p:nvPr>
+        </p:nvSpPr>
+        <p:spPr/>
+        <p:txBody>
+          <a:bodyPr/>
+          <a:lstStyle/>
+          <a:p>
+            <a:r>
+              <a:rPr lang="en-US" dirty="0" smtClean="0"/>
+              <a:t>General framework for modeling term dependencies with Markov Random Fields</a:t>
+            </a:r>
+          </a:p>
+          <a:p>
+            <a:r>
+              <a:rPr lang="en-US" dirty="0" smtClean="0"/>
+              <a:t>Explain Gao’s good results when historically Term Dependence Models have poor results</a:t>
+            </a:r>
+          </a:p>
+          <a:p>
+            <a:r>
+              <a:rPr lang="en-US" dirty="0" smtClean="0"/>
+              <a:t>2 hypothesis</a:t>
+            </a:r>
+          </a:p>
+          <a:p>
+            <a:pPr lvl="1"/>
+            <a:r>
+              <a:rPr lang="en-US" dirty="0" smtClean="0"/>
+              <a:t>Dependence </a:t>
+            </a:r>
+            <a:r>
+              <a:rPr lang="en-US" dirty="0"/>
+              <a:t>models will be more effective for larger collections than smaller </a:t>
+            </a:r>
+            <a:r>
+              <a:rPr lang="en-US" dirty="0" smtClean="0"/>
+              <a:t>collections</a:t>
+            </a:r>
+          </a:p>
+          <a:p>
+            <a:pPr lvl="1"/>
+            <a:r>
+              <a:rPr lang="en-US" dirty="0" smtClean="0"/>
+              <a:t>Incorporating </a:t>
+            </a:r>
+            <a:r>
+              <a:rPr lang="en-US" dirty="0"/>
+              <a:t>several types of evidence (features) into a dependence model will further improve effectiveness </a:t>
+            </a:r>
+          </a:p>
+        </p:txBody>
+      </p:sp>
+      <p:sp>
+        <p:nvSpPr>
+          <p:cNvPr id="4" name="Slide Number Placeholder 3"/>
+          <p:cNvSpPr>
+            <a:spLocks noGrp="1"/>
+          </p:cNvSpPr>
+          <p:nvPr>
+            <p:ph type="sldNum" sz="quarter" idx="12"/>
+          </p:nvPr>
+        </p:nvSpPr>
+        <p:spPr/>
+        <p:txBody>
+          <a:bodyPr/>
+          <a:lstStyle/>
+          <a:p>
+            <a:fld id="{38A27C39-69BC-486E-A789-EB1E62B74FE5}" type="slidenum">
+              <a:rPr lang="en-US" smtClean="0"/>
+              <a:t>11</a:t>
+            </a:fld>
+            <a:endParaRPr lang="en-US"/>
+          </a:p>
+        </p:txBody>
+      </p:sp>
+    </p:spTree>
+    <p:extLst>
+      <p:ext uri="{BB962C8B-B14F-4D97-AF65-F5344CB8AC3E}">
+        <p14:creationId xmlns:p14="http://schemas.microsoft.com/office/powerpoint/2010/main" val="2060756217"/>
+      </p:ext>
+    </p:extLst>
+  </p:cSld>
+  <p:clrMapOvr>
+    <a:masterClrMapping/>
+  </p:clrMapOvr>
+</p:sld>
+</file>
+
+<file path=ppt/slides/slide12.xml><?xml version="1.0" encoding="utf-8"?>
+<p:sld xmlns:a="http://schemas.openxmlformats.org/drawingml/2006/main" xmlns:r="http://schemas.openxmlformats.org/officeDocument/2006/relationships" xmlns:p="http://schemas.openxmlformats.org/presentationml/2006/main">
+  <p:cSld>
+    <p:spTree>
+      <p:nvGrpSpPr>
+        <p:cNvPr id="1" name=""/>
+        <p:cNvGrpSpPr/>
+        <p:nvPr/>
+      </p:nvGrpSpPr>
+      <p:grpSpPr>
+        <a:xfrm>
+          <a:off x="0" y="0"/>
+          <a:ext cx="0" cy="0"/>
+          <a:chOff x="0" y="0"/>
+          <a:chExt cx="0" cy="0"/>
+        </a:xfrm>
+      </p:grpSpPr>
+      <p:sp>
+        <p:nvSpPr>
+          <p:cNvPr id="2" name="Title 1">
+            <a:extLst>
+              <a:ext uri="{FF2B5EF4-FFF2-40B4-BE49-F238E27FC236}">
+                <a16:creationId xmlns:a16="http://schemas.microsoft.com/office/drawing/2014/main" xmlns="" id="{E1F6F985-00CB-411F-B09A-844B5F57B719}"/>
+              </a:ext>
+            </a:extLst>
+          </p:cNvPr>
+          <p:cNvSpPr>
+            <a:spLocks noGrp="1"/>
+          </p:cNvSpPr>
+          <p:nvPr>
+            <p:ph type="title"/>
+          </p:nvPr>
+        </p:nvSpPr>
+        <p:spPr/>
+        <p:txBody>
+          <a:bodyPr/>
+          <a:lstStyle/>
+          <a:p>
+            <a:r>
+              <a:rPr lang="en-US" dirty="0" smtClean="0"/>
+              <a:t>Markov </a:t>
+            </a:r>
+            <a:r>
+              <a:rPr lang="en-US" dirty="0"/>
+              <a:t>Random </a:t>
+            </a:r>
+            <a:r>
+              <a:rPr lang="en-US" dirty="0" smtClean="0"/>
+              <a:t>Field</a:t>
+            </a:r>
+            <a:endParaRPr lang="en-US" dirty="0"/>
+          </a:p>
+        </p:txBody>
+      </p:sp>
+      <p:sp>
+        <p:nvSpPr>
+          <p:cNvPr id="3" name="Content Placeholder 2">
+            <a:extLst>
+              <a:ext uri="{FF2B5EF4-FFF2-40B4-BE49-F238E27FC236}">
+                <a16:creationId xmlns:a16="http://schemas.microsoft.com/office/drawing/2014/main" xmlns="" id="{5E6D63F7-732C-4FC6-86E9-5D6149415674}"/>
+              </a:ext>
+            </a:extLst>
+          </p:cNvPr>
+          <p:cNvSpPr>
+            <a:spLocks noGrp="1"/>
+          </p:cNvSpPr>
+          <p:nvPr>
+            <p:ph idx="1"/>
+          </p:nvPr>
+        </p:nvSpPr>
+        <p:spPr/>
+        <p:txBody>
+          <a:bodyPr/>
+          <a:lstStyle/>
+          <a:p>
+            <a:r>
+              <a:rPr lang="en-US" dirty="0" smtClean="0"/>
+              <a:t>Consider dependencies between more than just a pair of terms</a:t>
+            </a:r>
+          </a:p>
+          <a:p>
+            <a:r>
+              <a:rPr lang="en-US" dirty="0" smtClean="0"/>
+              <a:t>Constructed from a graph G</a:t>
+            </a:r>
+          </a:p>
+          <a:p>
+            <a:pPr lvl="1"/>
+            <a:r>
+              <a:rPr lang="en-US" dirty="0" smtClean="0"/>
+              <a:t>Contains document D and query nodes q</a:t>
+            </a:r>
+            <a:r>
+              <a:rPr lang="en-US" baseline="-25000" dirty="0" smtClean="0"/>
+              <a:t>i</a:t>
+            </a:r>
+            <a:r>
+              <a:rPr lang="en-US" baseline="-25000" dirty="0"/>
+              <a:t> </a:t>
+            </a:r>
+            <a:r>
+              <a:rPr lang="en-US" dirty="0" smtClean="0"/>
+              <a:t> </a:t>
+            </a:r>
+          </a:p>
+          <a:p>
+            <a:pPr lvl="1"/>
+            <a:r>
+              <a:rPr lang="en-US" dirty="0" smtClean="0"/>
+              <a:t>Link shows dependence</a:t>
+            </a:r>
+            <a:endParaRPr lang="en-US" baseline="-25000" dirty="0" smtClean="0"/>
+          </a:p>
+        </p:txBody>
+      </p:sp>
+      <p:sp>
+        <p:nvSpPr>
+          <p:cNvPr id="4" name="Slide Number Placeholder 3">
+            <a:extLst>
+              <a:ext uri="{FF2B5EF4-FFF2-40B4-BE49-F238E27FC236}">
+                <a16:creationId xmlns:a16="http://schemas.microsoft.com/office/drawing/2014/main" xmlns="" id="{16ACFBC3-31E2-4031-82EB-4BD7F98406BD}"/>
+              </a:ext>
+            </a:extLst>
+          </p:cNvPr>
+          <p:cNvSpPr>
+            <a:spLocks noGrp="1"/>
+          </p:cNvSpPr>
+          <p:nvPr>
+            <p:ph type="sldNum" sz="quarter" idx="12"/>
+          </p:nvPr>
+        </p:nvSpPr>
+        <p:spPr/>
+        <p:txBody>
+          <a:bodyPr/>
+          <a:lstStyle/>
+          <a:p>
+            <a:fld id="{38A27C39-69BC-486E-A789-EB1E62B74FE5}" type="slidenum">
+              <a:rPr lang="en-US" smtClean="0"/>
+              <a:t>12</a:t>
+            </a:fld>
+            <a:endParaRPr lang="en-US"/>
+          </a:p>
+        </p:txBody>
+      </p:sp>
+      <p:pic>
+        <p:nvPicPr>
+          <p:cNvPr id="5" name="Picture 4"/>
+          <p:cNvPicPr>
+            <a:picLocks noChangeAspect="1"/>
+          </p:cNvPicPr>
+          <p:nvPr/>
+        </p:nvPicPr>
+        <p:blipFill>
+          <a:blip r:embed="rId2"/>
+          <a:stretch>
+            <a:fillRect/>
+          </a:stretch>
+        </p:blipFill>
+        <p:spPr>
+          <a:xfrm>
+            <a:off x="2252662" y="3627726"/>
+            <a:ext cx="7686675" cy="2428875"/>
+          </a:xfrm>
+          <a:prstGeom prst="rect">
+            <a:avLst/>
+          </a:prstGeom>
+        </p:spPr>
+      </p:pic>
+    </p:spTree>
+    <p:extLst>
+      <p:ext uri="{BB962C8B-B14F-4D97-AF65-F5344CB8AC3E}">
+        <p14:creationId xmlns:p14="http://schemas.microsoft.com/office/powerpoint/2010/main" val="811205434"/>
+      </p:ext>
+    </p:extLst>
+  </p:cSld>
+  <p:clrMapOvr>
+    <a:masterClrMapping/>
+  </p:clrMapOvr>
+</p:sld>
+</file>
+
+<file path=ppt/slides/slide13.xml><?xml version="1.0" encoding="utf-8"?>
+<p:sld xmlns:a="http://schemas.openxmlformats.org/drawingml/2006/main" xmlns:r="http://schemas.openxmlformats.org/officeDocument/2006/relationships" xmlns:p="http://schemas.openxmlformats.org/presentationml/2006/main">
+  <p:cSld>
+    <p:spTree>
+      <p:nvGrpSpPr>
+        <p:cNvPr id="1" name=""/>
+        <p:cNvGrpSpPr/>
+        <p:nvPr/>
+      </p:nvGrpSpPr>
+      <p:grpSpPr>
+        <a:xfrm>
+          <a:off x="0" y="0"/>
+          <a:ext cx="0" cy="0"/>
+          <a:chOff x="0" y="0"/>
+          <a:chExt cx="0" cy="0"/>
+        </a:xfrm>
+      </p:grpSpPr>
+      <p:sp>
+        <p:nvSpPr>
+          <p:cNvPr id="2" name="Title 1"/>
+          <p:cNvSpPr>
+            <a:spLocks noGrp="1"/>
+          </p:cNvSpPr>
+          <p:nvPr>
+            <p:ph type="title"/>
+          </p:nvPr>
+        </p:nvSpPr>
+        <p:spPr/>
+        <p:txBody>
+          <a:bodyPr/>
+          <a:lstStyle/>
+          <a:p>
+            <a:r>
+              <a:rPr lang="en-US" dirty="0" smtClean="0"/>
+              <a:t>Using MRF</a:t>
+            </a:r>
+            <a:endParaRPr lang="en-US" dirty="0"/>
+          </a:p>
+        </p:txBody>
+      </p:sp>
+      <p:sp>
+        <p:nvSpPr>
+          <p:cNvPr id="3" name="Content Placeholder 2"/>
+          <p:cNvSpPr>
+            <a:spLocks noGrp="1"/>
+          </p:cNvSpPr>
+          <p:nvPr>
+            <p:ph idx="1"/>
+          </p:nvPr>
+        </p:nvSpPr>
+        <p:spPr/>
+        <p:txBody>
+          <a:bodyPr/>
+          <a:lstStyle/>
+          <a:p>
+            <a:r>
+              <a:rPr lang="en-US" dirty="0" smtClean="0"/>
+              <a:t>Construct graph of query term dependencies to model</a:t>
+            </a:r>
+          </a:p>
+          <a:p>
+            <a:r>
+              <a:rPr lang="en-US" dirty="0" smtClean="0"/>
+              <a:t>Define set of potential functions over the cliques of that graph</a:t>
+            </a:r>
+          </a:p>
+          <a:p>
+            <a:r>
+              <a:rPr lang="en-US" dirty="0" smtClean="0"/>
+              <a:t>Rank documents in descending order of</a:t>
+            </a:r>
+          </a:p>
+          <a:p>
+            <a:pPr lvl="1"/>
+            <a:r>
+              <a:rPr lang="en-US" dirty="0" smtClean="0"/>
+              <a:t>     estimated from relevance distribution describing related documents and queries</a:t>
+            </a:r>
+          </a:p>
+          <a:p>
+            <a:r>
+              <a:rPr lang="en-US" dirty="0" smtClean="0"/>
+              <a:t>General enough could emulate most other retrieval models </a:t>
+            </a:r>
+            <a:endParaRPr lang="en-US" dirty="0"/>
+          </a:p>
+        </p:txBody>
+      </p:sp>
+      <p:sp>
+        <p:nvSpPr>
+          <p:cNvPr id="4" name="Slide Number Placeholder 3"/>
+          <p:cNvSpPr>
+            <a:spLocks noGrp="1"/>
+          </p:cNvSpPr>
+          <p:nvPr>
+            <p:ph type="sldNum" sz="quarter" idx="12"/>
+          </p:nvPr>
+        </p:nvSpPr>
+        <p:spPr/>
+        <p:txBody>
+          <a:bodyPr/>
+          <a:lstStyle/>
+          <a:p>
+            <a:fld id="{38A27C39-69BC-486E-A789-EB1E62B74FE5}" type="slidenum">
+              <a:rPr lang="en-US" smtClean="0"/>
+              <a:t>13</a:t>
+            </a:fld>
+            <a:endParaRPr lang="en-US"/>
+          </a:p>
+        </p:txBody>
+      </p:sp>
+      <p:pic>
+        <p:nvPicPr>
+          <p:cNvPr id="5" name="Picture 4"/>
+          <p:cNvPicPr>
+            <a:picLocks noChangeAspect="1"/>
+          </p:cNvPicPr>
+          <p:nvPr/>
+        </p:nvPicPr>
+        <p:blipFill>
+          <a:blip r:embed="rId2"/>
+          <a:stretch>
+            <a:fillRect/>
+          </a:stretch>
+        </p:blipFill>
+        <p:spPr>
+          <a:xfrm>
+            <a:off x="7096125" y="2844655"/>
+            <a:ext cx="1514475" cy="466725"/>
+          </a:xfrm>
+          <a:prstGeom prst="rect">
+            <a:avLst/>
+          </a:prstGeom>
+        </p:spPr>
+      </p:pic>
+      <p:pic>
+        <p:nvPicPr>
+          <p:cNvPr id="6" name="Picture 5"/>
+          <p:cNvPicPr>
+            <a:picLocks noChangeAspect="1"/>
+          </p:cNvPicPr>
+          <p:nvPr/>
+        </p:nvPicPr>
+        <p:blipFill>
+          <a:blip r:embed="rId3"/>
+          <a:stretch>
+            <a:fillRect/>
+          </a:stretch>
+        </p:blipFill>
+        <p:spPr>
+          <a:xfrm>
+            <a:off x="1527175" y="3311380"/>
+            <a:ext cx="400050" cy="438150"/>
+          </a:xfrm>
+          <a:prstGeom prst="rect">
+            <a:avLst/>
+          </a:prstGeom>
+        </p:spPr>
+      </p:pic>
+    </p:spTree>
+    <p:extLst>
+      <p:ext uri="{BB962C8B-B14F-4D97-AF65-F5344CB8AC3E}">
+        <p14:creationId xmlns:p14="http://schemas.microsoft.com/office/powerpoint/2010/main" val="1299387613"/>
+      </p:ext>
+    </p:extLst>
+  </p:cSld>
+  <p:clrMapOvr>
+    <a:masterClrMapping/>
+  </p:clrMapOvr>
+</p:sld>
+</file>
+
+<file path=ppt/slides/slide14.xml><?xml version="1.0" encoding="utf-8"?>
+<p:sld xmlns:a="http://schemas.openxmlformats.org/drawingml/2006/main" xmlns:r="http://schemas.openxmlformats.org/officeDocument/2006/relationships" xmlns:p="http://schemas.openxmlformats.org/presentationml/2006/main">
+  <p:cSld>
+    <p:spTree>
+      <p:nvGrpSpPr>
+        <p:cNvPr id="1" name=""/>
+        <p:cNvGrpSpPr/>
+        <p:nvPr/>
+      </p:nvGrpSpPr>
+      <p:grpSpPr>
+        <a:xfrm>
+          <a:off x="0" y="0"/>
+          <a:ext cx="0" cy="0"/>
+          <a:chOff x="0" y="0"/>
+          <a:chExt cx="0" cy="0"/>
+        </a:xfrm>
+      </p:grpSpPr>
+      <p:sp>
+        <p:nvSpPr>
+          <p:cNvPr id="2" name="Title 1"/>
+          <p:cNvSpPr>
+            <a:spLocks noGrp="1"/>
+          </p:cNvSpPr>
+          <p:nvPr>
+            <p:ph type="title"/>
+          </p:nvPr>
+        </p:nvSpPr>
+        <p:spPr/>
+        <p:txBody>
+          <a:bodyPr/>
+          <a:lstStyle/>
+          <a:p>
+            <a:r>
+              <a:rPr lang="en-US" dirty="0"/>
+              <a:t>3</a:t>
+            </a:r>
+            <a:r>
+              <a:rPr lang="en-US" dirty="0" smtClean="0"/>
+              <a:t> Variants</a:t>
+            </a:r>
+            <a:endParaRPr lang="en-US" dirty="0"/>
+          </a:p>
+        </p:txBody>
+      </p:sp>
+      <p:sp>
+        <p:nvSpPr>
+          <p:cNvPr id="4" name="Slide Number Placeholder 3"/>
+          <p:cNvSpPr>
+            <a:spLocks noGrp="1"/>
+          </p:cNvSpPr>
+          <p:nvPr>
+            <p:ph type="sldNum" sz="quarter" idx="12"/>
+          </p:nvPr>
+        </p:nvSpPr>
+        <p:spPr/>
+        <p:txBody>
+          <a:bodyPr/>
+          <a:lstStyle/>
+          <a:p>
+            <a:fld id="{38A27C39-69BC-486E-A789-EB1E62B74FE5}" type="slidenum">
+              <a:rPr lang="en-US" smtClean="0"/>
+              <a:t>14</a:t>
+            </a:fld>
+            <a:endParaRPr lang="en-US"/>
+          </a:p>
+        </p:txBody>
+      </p:sp>
+      <p:pic>
+        <p:nvPicPr>
+          <p:cNvPr id="5" name="Picture 4"/>
+          <p:cNvPicPr>
+            <a:picLocks noChangeAspect="1"/>
+          </p:cNvPicPr>
+          <p:nvPr/>
+        </p:nvPicPr>
+        <p:blipFill>
+          <a:blip r:embed="rId2"/>
+          <a:stretch>
+            <a:fillRect/>
+          </a:stretch>
+        </p:blipFill>
+        <p:spPr>
+          <a:xfrm>
+            <a:off x="1189177" y="1690688"/>
+            <a:ext cx="9813645" cy="3100966"/>
+          </a:xfrm>
+          <a:prstGeom prst="rect">
+            <a:avLst/>
+          </a:prstGeom>
+        </p:spPr>
+      </p:pic>
+      <p:sp>
+        <p:nvSpPr>
+          <p:cNvPr id="6" name="TextBox 5"/>
+          <p:cNvSpPr txBox="1"/>
+          <p:nvPr/>
+        </p:nvSpPr>
+        <p:spPr>
+          <a:xfrm>
+            <a:off x="1327676" y="5070109"/>
+            <a:ext cx="2872902" cy="800219"/>
+          </a:xfrm>
+          <a:prstGeom prst="rect">
+            <a:avLst/>
+          </a:prstGeom>
+          <a:noFill/>
+        </p:spPr>
+        <p:txBody>
+          <a:bodyPr wrap="none" rtlCol="0">
+            <a:spAutoFit/>
+          </a:bodyPr>
+          <a:lstStyle/>
+          <a:p>
+            <a:r>
+              <a:rPr lang="en-US" sz="2800" dirty="0"/>
+              <a:t>Full </a:t>
+            </a:r>
+            <a:r>
+              <a:rPr lang="en-US" sz="2800" dirty="0" smtClean="0"/>
+              <a:t>Independence</a:t>
+            </a:r>
+            <a:endParaRPr lang="en-US" sz="2800" dirty="0"/>
+          </a:p>
+          <a:p>
+            <a:endParaRPr lang="en-US" dirty="0"/>
+          </a:p>
+        </p:txBody>
+      </p:sp>
+      <p:sp>
+        <p:nvSpPr>
+          <p:cNvPr id="7" name="TextBox 6"/>
+          <p:cNvSpPr txBox="1"/>
+          <p:nvPr/>
+        </p:nvSpPr>
+        <p:spPr>
+          <a:xfrm>
+            <a:off x="4381463" y="5088255"/>
+            <a:ext cx="3648628" cy="800219"/>
+          </a:xfrm>
+          <a:prstGeom prst="rect">
+            <a:avLst/>
+          </a:prstGeom>
+          <a:noFill/>
+        </p:spPr>
+        <p:txBody>
+          <a:bodyPr wrap="none" rtlCol="0">
+            <a:spAutoFit/>
+          </a:bodyPr>
+          <a:lstStyle/>
+          <a:p>
+            <a:r>
+              <a:rPr lang="en-US" sz="2800" dirty="0" smtClean="0"/>
+              <a:t>Sequential Dependence</a:t>
+            </a:r>
+            <a:endParaRPr lang="en-US" sz="2800" dirty="0"/>
+          </a:p>
+          <a:p>
+            <a:endParaRPr lang="en-US" dirty="0"/>
+          </a:p>
+        </p:txBody>
+      </p:sp>
+      <p:sp>
+        <p:nvSpPr>
+          <p:cNvPr id="8" name="TextBox 7"/>
+          <p:cNvSpPr txBox="1"/>
+          <p:nvPr/>
+        </p:nvSpPr>
+        <p:spPr>
+          <a:xfrm>
+            <a:off x="8210976" y="5070108"/>
+            <a:ext cx="2626040" cy="800219"/>
+          </a:xfrm>
+          <a:prstGeom prst="rect">
+            <a:avLst/>
+          </a:prstGeom>
+          <a:noFill/>
+        </p:spPr>
+        <p:txBody>
+          <a:bodyPr wrap="none" rtlCol="0">
+            <a:spAutoFit/>
+          </a:bodyPr>
+          <a:lstStyle/>
+          <a:p>
+            <a:r>
+              <a:rPr lang="en-US" sz="2800" dirty="0"/>
+              <a:t>Full </a:t>
+            </a:r>
+            <a:r>
+              <a:rPr lang="en-US" sz="2800" dirty="0" smtClean="0"/>
+              <a:t>Dependence</a:t>
+            </a:r>
+            <a:endParaRPr lang="en-US" sz="2800" dirty="0"/>
+          </a:p>
+          <a:p>
+            <a:endParaRPr lang="en-US" dirty="0"/>
+          </a:p>
+        </p:txBody>
+      </p:sp>
+    </p:spTree>
+    <p:extLst>
+      <p:ext uri="{BB962C8B-B14F-4D97-AF65-F5344CB8AC3E}">
+        <p14:creationId xmlns:p14="http://schemas.microsoft.com/office/powerpoint/2010/main" val="2584492023"/>
+      </p:ext>
+    </p:extLst>
+  </p:cSld>
+  <p:clrMapOvr>
+    <a:masterClrMapping/>
+  </p:clrMapOvr>
+</p:sld>
+</file>
+
+<file path=ppt/slides/slide15.xml><?xml version="1.0" encoding="utf-8"?>
+<p:sld xmlns:a="http://schemas.openxmlformats.org/drawingml/2006/main" xmlns:r="http://schemas.openxmlformats.org/officeDocument/2006/relationships" xmlns:p="http://schemas.openxmlformats.org/presentationml/2006/main">
+  <p:cSld>
+    <p:spTree>
+      <p:nvGrpSpPr>
+        <p:cNvPr id="1" name=""/>
+        <p:cNvGrpSpPr/>
+        <p:nvPr/>
+      </p:nvGrpSpPr>
+      <p:grpSpPr>
+        <a:xfrm>
+          <a:off x="0" y="0"/>
+          <a:ext cx="0" cy="0"/>
+          <a:chOff x="0" y="0"/>
+          <a:chExt cx="0" cy="0"/>
+        </a:xfrm>
+      </p:grpSpPr>
+      <p:sp>
+        <p:nvSpPr>
+          <p:cNvPr id="2" name="Title 1"/>
+          <p:cNvSpPr>
+            <a:spLocks noGrp="1"/>
+          </p:cNvSpPr>
+          <p:nvPr>
+            <p:ph type="title"/>
+          </p:nvPr>
+        </p:nvSpPr>
+        <p:spPr/>
+        <p:txBody>
+          <a:bodyPr/>
+          <a:lstStyle/>
+          <a:p>
+            <a:r>
+              <a:rPr lang="en-US" dirty="0" smtClean="0"/>
+              <a:t>Setting Lambda Function </a:t>
+            </a:r>
+            <a:endParaRPr lang="en-US" dirty="0"/>
+          </a:p>
+        </p:txBody>
+      </p:sp>
+      <p:sp>
+        <p:nvSpPr>
+          <p:cNvPr id="3" name="Content Placeholder 2"/>
+          <p:cNvSpPr>
+            <a:spLocks noGrp="1"/>
+          </p:cNvSpPr>
+          <p:nvPr>
+            <p:ph idx="1"/>
+          </p:nvPr>
+        </p:nvSpPr>
+        <p:spPr>
+          <a:xfrm>
+            <a:off x="838200" y="1825625"/>
+            <a:ext cx="10515600" cy="1951326"/>
+          </a:xfrm>
+        </p:spPr>
+        <p:txBody>
+          <a:bodyPr/>
+          <a:lstStyle/>
+          <a:p>
+            <a:r>
+              <a:rPr lang="en-US" dirty="0" smtClean="0"/>
+              <a:t>Made up of multiple parameters</a:t>
+            </a:r>
+          </a:p>
+          <a:p>
+            <a:r>
+              <a:rPr lang="en-US" dirty="0" smtClean="0"/>
+              <a:t>Train by directly maximizing mean average precision, not the parameter</a:t>
+            </a:r>
+          </a:p>
+          <a:p>
+            <a:r>
+              <a:rPr lang="en-US" dirty="0" smtClean="0"/>
+              <a:t>Found to always be concave (or close)</a:t>
+            </a:r>
+          </a:p>
+        </p:txBody>
+      </p:sp>
+      <p:sp>
+        <p:nvSpPr>
+          <p:cNvPr id="4" name="Slide Number Placeholder 3"/>
+          <p:cNvSpPr>
+            <a:spLocks noGrp="1"/>
+          </p:cNvSpPr>
+          <p:nvPr>
+            <p:ph type="sldNum" sz="quarter" idx="12"/>
+          </p:nvPr>
+        </p:nvSpPr>
+        <p:spPr/>
+        <p:txBody>
+          <a:bodyPr/>
+          <a:lstStyle/>
+          <a:p>
+            <a:fld id="{38A27C39-69BC-486E-A789-EB1E62B74FE5}" type="slidenum">
+              <a:rPr lang="en-US" smtClean="0"/>
+              <a:t>15</a:t>
+            </a:fld>
+            <a:endParaRPr lang="en-US"/>
+          </a:p>
+        </p:txBody>
+      </p:sp>
+      <p:pic>
+        <p:nvPicPr>
+          <p:cNvPr id="5" name="Picture 4"/>
+          <p:cNvPicPr>
+            <a:picLocks noChangeAspect="1"/>
+          </p:cNvPicPr>
+          <p:nvPr/>
+        </p:nvPicPr>
+        <p:blipFill>
+          <a:blip r:embed="rId2"/>
+          <a:stretch>
+            <a:fillRect/>
+          </a:stretch>
+        </p:blipFill>
+        <p:spPr>
+          <a:xfrm>
+            <a:off x="6769100" y="2913188"/>
+            <a:ext cx="4720936" cy="3443162"/>
+          </a:xfrm>
+          <a:prstGeom prst="rect">
+            <a:avLst/>
+          </a:prstGeom>
+        </p:spPr>
+      </p:pic>
+      <p:sp>
+        <p:nvSpPr>
+          <p:cNvPr id="6" name="Content Placeholder 2"/>
+          <p:cNvSpPr txBox="1">
+            <a:spLocks/>
+          </p:cNvSpPr>
+          <p:nvPr/>
+        </p:nvSpPr>
+        <p:spPr>
+          <a:xfrm>
+            <a:off x="838200" y="3776951"/>
+            <a:ext cx="5930900" cy="2579399"/>
+          </a:xfrm>
+          <a:prstGeom prst="rect">
+            <a:avLst/>
+          </a:prstGeom>
+        </p:spPr>
+        <p:txBody>
+          <a:bodyPr vert="horz" lIns="91440" tIns="45720" rIns="91440" bIns="45720" rtlCol="0">
+            <a:normAutofit/>
+          </a:bodyPr>
+          <a:lstStyle>
+            <a:lvl1pPr marL="228600" indent="-228600" algn="l" defTabSz="914400" rtl="0" eaLnBrk="1" latinLnBrk="0" hangingPunct="1">
+              <a:lnSpc>
+                <a:spcPct val="90000"/>
+              </a:lnSpc>
+              <a:spcBef>
+                <a:spcPts val="1000"/>
+              </a:spcBef>
+              <a:buFont typeface="Arial" panose="020B0604020202020204" pitchFamily="34" charset="0"/>
+              <a:buChar char="•"/>
+              <a:defRPr sz="2800" kern="1200">
+                <a:solidFill>
+                  <a:schemeClr val="tx1"/>
+                </a:solidFill>
+                <a:latin typeface="+mn-lt"/>
+                <a:ea typeface="+mn-ea"/>
+                <a:cs typeface="+mn-cs"/>
+              </a:defRPr>
+            </a:lvl1pPr>
+            <a:lvl2pPr marL="685800" indent="-228600" algn="l" defTabSz="914400" rtl="0" eaLnBrk="1" latinLnBrk="0" hangingPunct="1">
+              <a:lnSpc>
+                <a:spcPct val="90000"/>
+              </a:lnSpc>
+              <a:spcBef>
+                <a:spcPts val="500"/>
+              </a:spcBef>
+              <a:buFont typeface="Arial" panose="020B0604020202020204" pitchFamily="34" charset="0"/>
+              <a:buChar char="•"/>
+              <a:defRPr sz="2400" kern="1200">
+                <a:solidFill>
+                  <a:schemeClr val="tx1"/>
+                </a:solidFill>
+                <a:latin typeface="+mn-lt"/>
+                <a:ea typeface="+mn-ea"/>
+                <a:cs typeface="+mn-cs"/>
+              </a:defRPr>
+            </a:lvl2pPr>
+            <a:lvl3pPr marL="1143000" indent="-228600" algn="l" defTabSz="914400" rtl="0" eaLnBrk="1" latinLnBrk="0" hangingPunct="1">
+              <a:lnSpc>
+                <a:spcPct val="90000"/>
+              </a:lnSpc>
+              <a:spcBef>
+                <a:spcPts val="500"/>
+              </a:spcBef>
+              <a:buFont typeface="Arial" panose="020B0604020202020204" pitchFamily="34" charset="0"/>
+              <a:buChar char="•"/>
+              <a:defRPr sz="2000" kern="1200">
+                <a:solidFill>
+                  <a:schemeClr val="tx1"/>
+                </a:solidFill>
+                <a:latin typeface="+mn-lt"/>
+                <a:ea typeface="+mn-ea"/>
+                <a:cs typeface="+mn-cs"/>
+              </a:defRPr>
+            </a:lvl3pPr>
+            <a:lvl4pPr marL="1600200" indent="-228600" algn="l" defTabSz="914400" rtl="0" eaLnBrk="1" latinLnBrk="0" hangingPunct="1">
+              <a:lnSpc>
+                <a:spcPct val="90000"/>
+              </a:lnSpc>
+              <a:spcBef>
+                <a:spcPts val="500"/>
+              </a:spcBef>
+              <a:buFont typeface="Arial" panose="020B0604020202020204" pitchFamily="34" charset="0"/>
+              <a:buChar char="•"/>
+              <a:defRPr sz="1800" kern="1200">
+                <a:solidFill>
+                  <a:schemeClr val="tx1"/>
+                </a:solidFill>
+                <a:latin typeface="+mn-lt"/>
+                <a:ea typeface="+mn-ea"/>
+                <a:cs typeface="+mn-cs"/>
+              </a:defRPr>
+            </a:lvl4pPr>
+            <a:lvl5pPr marL="2057400" indent="-228600" algn="l" defTabSz="914400" rtl="0" eaLnBrk="1" latinLnBrk="0" hangingPunct="1">
+              <a:lnSpc>
+                <a:spcPct val="90000"/>
+              </a:lnSpc>
+              <a:spcBef>
+                <a:spcPts val="500"/>
+              </a:spcBef>
+              <a:buFont typeface="Arial" panose="020B0604020202020204" pitchFamily="34" charset="0"/>
+              <a:buChar char="•"/>
+              <a:defRPr sz="1800" kern="1200">
+                <a:solidFill>
+                  <a:schemeClr val="tx1"/>
+                </a:solidFill>
+                <a:latin typeface="+mn-lt"/>
+                <a:ea typeface="+mn-ea"/>
+                <a:cs typeface="+mn-cs"/>
+              </a:defRPr>
+            </a:lvl5pPr>
+            <a:lvl6pPr marL="2514600" indent="-228600" algn="l" defTabSz="914400" rtl="0" eaLnBrk="1" latinLnBrk="0" hangingPunct="1">
+              <a:lnSpc>
+                <a:spcPct val="90000"/>
+              </a:lnSpc>
+              <a:spcBef>
+                <a:spcPts val="500"/>
+              </a:spcBef>
+              <a:buFont typeface="Arial" panose="020B0604020202020204" pitchFamily="34" charset="0"/>
+              <a:buChar char="•"/>
+              <a:defRPr sz="1800" kern="1200">
+                <a:solidFill>
+                  <a:schemeClr val="tx1"/>
+                </a:solidFill>
+                <a:latin typeface="+mn-lt"/>
+                <a:ea typeface="+mn-ea"/>
+                <a:cs typeface="+mn-cs"/>
+              </a:defRPr>
+            </a:lvl6pPr>
+            <a:lvl7pPr marL="2971800" indent="-228600" algn="l" defTabSz="914400" rtl="0" eaLnBrk="1" latinLnBrk="0" hangingPunct="1">
+              <a:lnSpc>
+                <a:spcPct val="90000"/>
+              </a:lnSpc>
+              <a:spcBef>
+                <a:spcPts val="500"/>
+              </a:spcBef>
+              <a:buFont typeface="Arial" panose="020B0604020202020204" pitchFamily="34" charset="0"/>
+              <a:buChar char="•"/>
+              <a:defRPr sz="1800" kern="1200">
+                <a:solidFill>
+                  <a:schemeClr val="tx1"/>
+                </a:solidFill>
+                <a:latin typeface="+mn-lt"/>
+                <a:ea typeface="+mn-ea"/>
+                <a:cs typeface="+mn-cs"/>
+              </a:defRPr>
+            </a:lvl7pPr>
+            <a:lvl8pPr marL="3429000" indent="-228600" algn="l" defTabSz="914400" rtl="0" eaLnBrk="1" latinLnBrk="0" hangingPunct="1">
+              <a:lnSpc>
+                <a:spcPct val="90000"/>
+              </a:lnSpc>
+              <a:spcBef>
+                <a:spcPts val="500"/>
+              </a:spcBef>
+              <a:buFont typeface="Arial" panose="020B0604020202020204" pitchFamily="34" charset="0"/>
+              <a:buChar char="•"/>
+              <a:defRPr sz="1800" kern="1200">
+                <a:solidFill>
+                  <a:schemeClr val="tx1"/>
+                </a:solidFill>
+                <a:latin typeface="+mn-lt"/>
+                <a:ea typeface="+mn-ea"/>
+                <a:cs typeface="+mn-cs"/>
+              </a:defRPr>
+            </a:lvl8pPr>
+            <a:lvl9pPr marL="3886200" indent="-228600" algn="l" defTabSz="914400" rtl="0" eaLnBrk="1" latinLnBrk="0" hangingPunct="1">
+              <a:lnSpc>
+                <a:spcPct val="90000"/>
+              </a:lnSpc>
+              <a:spcBef>
+                <a:spcPts val="500"/>
+              </a:spcBef>
+              <a:buFont typeface="Arial" panose="020B0604020202020204" pitchFamily="34" charset="0"/>
+              <a:buChar char="•"/>
+              <a:defRPr sz="1800" kern="1200">
+                <a:solidFill>
+                  <a:schemeClr val="tx1"/>
+                </a:solidFill>
+                <a:latin typeface="+mn-lt"/>
+                <a:ea typeface="+mn-ea"/>
+                <a:cs typeface="+mn-cs"/>
+              </a:defRPr>
+            </a:lvl9pPr>
+          </a:lstStyle>
+          <a:p>
+            <a:r>
+              <a:rPr lang="en-US" dirty="0" smtClean="0"/>
+              <a:t>Use a coordinate-level hill  climbing search</a:t>
+            </a:r>
+            <a:endParaRPr lang="en-US" dirty="0"/>
+          </a:p>
+        </p:txBody>
+      </p:sp>
+    </p:spTree>
+    <p:extLst>
+      <p:ext uri="{BB962C8B-B14F-4D97-AF65-F5344CB8AC3E}">
+        <p14:creationId xmlns:p14="http://schemas.microsoft.com/office/powerpoint/2010/main" val="1310463533"/>
+      </p:ext>
+    </p:extLst>
+  </p:cSld>
+  <p:clrMapOvr>
+    <a:masterClrMapping/>
+  </p:clrMapOvr>
+</p:sld>
+</file>
+
+<file path=ppt/slides/slide16.xml><?xml version="1.0" encoding="utf-8"?>
+<p:sld xmlns:a="http://schemas.openxmlformats.org/drawingml/2006/main" xmlns:r="http://schemas.openxmlformats.org/officeDocument/2006/relationships" xmlns:p="http://schemas.openxmlformats.org/presentationml/2006/main">
+  <p:cSld>
+    <p:spTree>
+      <p:nvGrpSpPr>
+        <p:cNvPr id="1" name=""/>
+        <p:cNvGrpSpPr/>
+        <p:nvPr/>
+      </p:nvGrpSpPr>
+      <p:grpSpPr>
+        <a:xfrm>
+          <a:off x="0" y="0"/>
+          <a:ext cx="0" cy="0"/>
+          <a:chOff x="0" y="0"/>
+          <a:chExt cx="0" cy="0"/>
+        </a:xfrm>
+      </p:grpSpPr>
+      <p:sp>
+        <p:nvSpPr>
+          <p:cNvPr id="2" name="Title 1">
+            <a:extLst>
+              <a:ext uri="{FF2B5EF4-FFF2-40B4-BE49-F238E27FC236}">
+                <a16:creationId xmlns:a16="http://schemas.microsoft.com/office/drawing/2014/main" xmlns="" id="{E1F6F985-00CB-411F-B09A-844B5F57B719}"/>
+              </a:ext>
+            </a:extLst>
+          </p:cNvPr>
+          <p:cNvSpPr>
+            <a:spLocks noGrp="1"/>
+          </p:cNvSpPr>
+          <p:nvPr>
+            <p:ph type="title"/>
+          </p:nvPr>
+        </p:nvSpPr>
+        <p:spPr/>
+        <p:txBody>
+          <a:bodyPr/>
+          <a:lstStyle/>
+          <a:p>
+            <a:r>
+              <a:rPr lang="en-US" dirty="0" smtClean="0"/>
+              <a:t>Evaluation</a:t>
+            </a:r>
+            <a:endParaRPr lang="en-US" dirty="0"/>
+          </a:p>
+        </p:txBody>
+      </p:sp>
+      <p:sp>
+        <p:nvSpPr>
+          <p:cNvPr id="4" name="Slide Number Placeholder 3">
+            <a:extLst>
+              <a:ext uri="{FF2B5EF4-FFF2-40B4-BE49-F238E27FC236}">
+                <a16:creationId xmlns:a16="http://schemas.microsoft.com/office/drawing/2014/main" xmlns="" id="{16ACFBC3-31E2-4031-82EB-4BD7F98406BD}"/>
+              </a:ext>
+            </a:extLst>
+          </p:cNvPr>
+          <p:cNvSpPr>
+            <a:spLocks noGrp="1"/>
+          </p:cNvSpPr>
+          <p:nvPr>
+            <p:ph type="sldNum" sz="quarter" idx="12"/>
+          </p:nvPr>
+        </p:nvSpPr>
+        <p:spPr/>
+        <p:txBody>
+          <a:bodyPr/>
+          <a:lstStyle/>
+          <a:p>
+            <a:fld id="{38A27C39-69BC-486E-A789-EB1E62B74FE5}" type="slidenum">
+              <a:rPr lang="en-US" smtClean="0"/>
+              <a:t>16</a:t>
+            </a:fld>
+            <a:endParaRPr lang="en-US"/>
+          </a:p>
+        </p:txBody>
+      </p:sp>
+      <p:pic>
+        <p:nvPicPr>
+          <p:cNvPr id="8" name="Picture 7"/>
+          <p:cNvPicPr>
+            <a:picLocks noChangeAspect="1"/>
+          </p:cNvPicPr>
+          <p:nvPr/>
+        </p:nvPicPr>
+        <p:blipFill>
+          <a:blip r:embed="rId2"/>
+          <a:stretch>
+            <a:fillRect/>
+          </a:stretch>
+        </p:blipFill>
+        <p:spPr>
+          <a:xfrm>
+            <a:off x="255516" y="1870075"/>
+            <a:ext cx="11680968" cy="1890379"/>
+          </a:xfrm>
+          <a:prstGeom prst="rect">
+            <a:avLst/>
+          </a:prstGeom>
+        </p:spPr>
+      </p:pic>
+      <p:sp>
+        <p:nvSpPr>
+          <p:cNvPr id="9" name="TextBox 8"/>
+          <p:cNvSpPr txBox="1"/>
+          <p:nvPr/>
+        </p:nvSpPr>
+        <p:spPr>
+          <a:xfrm>
+            <a:off x="0" y="2445932"/>
+            <a:ext cx="675185" cy="369332"/>
+          </a:xfrm>
+          <a:prstGeom prst="rect">
+            <a:avLst/>
+          </a:prstGeom>
+          <a:noFill/>
+        </p:spPr>
+        <p:txBody>
+          <a:bodyPr wrap="none" rtlCol="0">
+            <a:spAutoFit/>
+          </a:bodyPr>
+          <a:lstStyle/>
+          <a:p>
+            <a:r>
+              <a:rPr lang="en-US" dirty="0" smtClean="0">
+                <a:solidFill>
+                  <a:srgbClr val="FF0000"/>
+                </a:solidFill>
+              </a:rPr>
+              <a:t>small</a:t>
+            </a:r>
+            <a:endParaRPr lang="en-US" dirty="0">
+              <a:solidFill>
+                <a:srgbClr val="FF0000"/>
+              </a:solidFill>
+            </a:endParaRPr>
+          </a:p>
+        </p:txBody>
+      </p:sp>
+      <p:sp>
+        <p:nvSpPr>
+          <p:cNvPr id="11" name="TextBox 10"/>
+          <p:cNvSpPr txBox="1"/>
+          <p:nvPr/>
+        </p:nvSpPr>
+        <p:spPr>
+          <a:xfrm>
+            <a:off x="35813" y="2927927"/>
+            <a:ext cx="647678" cy="369332"/>
+          </a:xfrm>
+          <a:prstGeom prst="rect">
+            <a:avLst/>
+          </a:prstGeom>
+          <a:noFill/>
+        </p:spPr>
+        <p:txBody>
+          <a:bodyPr wrap="none" rtlCol="0">
+            <a:spAutoFit/>
+          </a:bodyPr>
+          <a:lstStyle/>
+          <a:p>
+            <a:r>
+              <a:rPr lang="en-US" dirty="0" smtClean="0">
+                <a:solidFill>
+                  <a:srgbClr val="FF0000"/>
+                </a:solidFill>
+              </a:rPr>
+              <a:t>large</a:t>
+            </a:r>
+            <a:endParaRPr lang="en-US" dirty="0">
+              <a:solidFill>
+                <a:srgbClr val="FF0000"/>
+              </a:solidFill>
+            </a:endParaRPr>
+          </a:p>
+        </p:txBody>
+      </p:sp>
+      <p:sp>
+        <p:nvSpPr>
+          <p:cNvPr id="12" name="Rectangle 11"/>
+          <p:cNvSpPr/>
+          <p:nvPr/>
+        </p:nvSpPr>
+        <p:spPr>
+          <a:xfrm>
+            <a:off x="3778739" y="2372690"/>
+            <a:ext cx="1148862" cy="257908"/>
+          </a:xfrm>
+          <a:prstGeom prst="rect">
+            <a:avLst/>
+          </a:prstGeom>
+          <a:solidFill>
+            <a:srgbClr val="FFFF00">
+              <a:alpha val="43000"/>
+            </a:srgbClr>
+          </a:solidFill>
+        </p:spPr>
+        <p:style>
+          <a:lnRef idx="2">
+            <a:schemeClr val="accent1">
+              <a:shade val="50000"/>
+            </a:schemeClr>
+          </a:lnRef>
+          <a:fillRef idx="1">
+            <a:schemeClr val="accent1"/>
+          </a:fillRef>
+          <a:effectRef idx="0">
+            <a:schemeClr val="accent1"/>
+          </a:effectRef>
+          <a:fontRef idx="minor">
+            <a:schemeClr val="lt1"/>
+          </a:fontRef>
+        </p:style>
+        <p:txBody>
+          <a:bodyPr rtlCol="0" anchor="ctr"/>
+          <a:lstStyle/>
+          <a:p>
+            <a:pPr algn="ctr"/>
+            <a:endParaRPr lang="en-US"/>
+          </a:p>
+        </p:txBody>
+      </p:sp>
+      <p:sp>
+        <p:nvSpPr>
+          <p:cNvPr id="13" name="Rectangle 12"/>
+          <p:cNvSpPr/>
+          <p:nvPr/>
+        </p:nvSpPr>
+        <p:spPr>
+          <a:xfrm>
+            <a:off x="3778739" y="2670019"/>
+            <a:ext cx="1148862" cy="257908"/>
+          </a:xfrm>
+          <a:prstGeom prst="rect">
+            <a:avLst/>
+          </a:prstGeom>
+          <a:solidFill>
+            <a:srgbClr val="FFFF00">
+              <a:alpha val="43000"/>
+            </a:srgbClr>
+          </a:solidFill>
+        </p:spPr>
+        <p:style>
+          <a:lnRef idx="2">
+            <a:schemeClr val="accent1">
+              <a:shade val="50000"/>
+            </a:schemeClr>
+          </a:lnRef>
+          <a:fillRef idx="1">
+            <a:schemeClr val="accent1"/>
+          </a:fillRef>
+          <a:effectRef idx="0">
+            <a:schemeClr val="accent1"/>
+          </a:effectRef>
+          <a:fontRef idx="minor">
+            <a:schemeClr val="lt1"/>
+          </a:fontRef>
+        </p:style>
+        <p:txBody>
+          <a:bodyPr rtlCol="0" anchor="ctr"/>
+          <a:lstStyle/>
+          <a:p>
+            <a:pPr algn="ctr"/>
+            <a:endParaRPr lang="en-US"/>
+          </a:p>
+        </p:txBody>
+      </p:sp>
+      <p:sp>
+        <p:nvSpPr>
+          <p:cNvPr id="14" name="Rectangle 13"/>
+          <p:cNvSpPr/>
+          <p:nvPr/>
+        </p:nvSpPr>
+        <p:spPr>
+          <a:xfrm>
+            <a:off x="7857611" y="2927927"/>
+            <a:ext cx="1148862" cy="257908"/>
+          </a:xfrm>
+          <a:prstGeom prst="rect">
+            <a:avLst/>
+          </a:prstGeom>
+          <a:solidFill>
+            <a:srgbClr val="FFFF00">
+              <a:alpha val="43000"/>
+            </a:srgbClr>
+          </a:solidFill>
+        </p:spPr>
+        <p:style>
+          <a:lnRef idx="2">
+            <a:schemeClr val="accent1">
+              <a:shade val="50000"/>
+            </a:schemeClr>
+          </a:lnRef>
+          <a:fillRef idx="1">
+            <a:schemeClr val="accent1"/>
+          </a:fillRef>
+          <a:effectRef idx="0">
+            <a:schemeClr val="accent1"/>
+          </a:effectRef>
+          <a:fontRef idx="minor">
+            <a:schemeClr val="lt1"/>
+          </a:fontRef>
+        </p:style>
+        <p:txBody>
+          <a:bodyPr rtlCol="0" anchor="ctr"/>
+          <a:lstStyle/>
+          <a:p>
+            <a:pPr algn="ctr"/>
+            <a:endParaRPr lang="en-US"/>
+          </a:p>
+        </p:txBody>
+      </p:sp>
+      <p:sp>
+        <p:nvSpPr>
+          <p:cNvPr id="15" name="Rectangle 14"/>
+          <p:cNvSpPr/>
+          <p:nvPr/>
+        </p:nvSpPr>
+        <p:spPr>
+          <a:xfrm>
+            <a:off x="7857611" y="3131127"/>
+            <a:ext cx="1148862" cy="257908"/>
+          </a:xfrm>
+          <a:prstGeom prst="rect">
+            <a:avLst/>
+          </a:prstGeom>
+          <a:solidFill>
+            <a:srgbClr val="FFFF00">
+              <a:alpha val="43000"/>
+            </a:srgbClr>
+          </a:solidFill>
+        </p:spPr>
+        <p:style>
+          <a:lnRef idx="2">
+            <a:schemeClr val="accent1">
+              <a:shade val="50000"/>
+            </a:schemeClr>
+          </a:lnRef>
+          <a:fillRef idx="1">
+            <a:schemeClr val="accent1"/>
+          </a:fillRef>
+          <a:effectRef idx="0">
+            <a:schemeClr val="accent1"/>
+          </a:effectRef>
+          <a:fontRef idx="minor">
+            <a:schemeClr val="lt1"/>
+          </a:fontRef>
+        </p:style>
+        <p:txBody>
+          <a:bodyPr rtlCol="0" anchor="ctr"/>
+          <a:lstStyle/>
+          <a:p>
+            <a:pPr algn="ctr"/>
+            <a:endParaRPr lang="en-US"/>
+          </a:p>
+        </p:txBody>
+      </p:sp>
+    </p:spTree>
+    <p:extLst>
+      <p:ext uri="{BB962C8B-B14F-4D97-AF65-F5344CB8AC3E}">
+        <p14:creationId xmlns:p14="http://schemas.microsoft.com/office/powerpoint/2010/main" val="3414985117"/>
+      </p:ext>
+    </p:extLst>
+  </p:cSld>
+  <p:clrMapOvr>
+    <a:masterClrMapping/>
+  </p:clrMapOvr>
+</p:sld>
+</file>
+
+<file path=ppt/slides/slide17.xml><?xml version="1.0" encoding="utf-8"?>
+<p:sld xmlns:a="http://schemas.openxmlformats.org/drawingml/2006/main" xmlns:r="http://schemas.openxmlformats.org/officeDocument/2006/relationships" xmlns:p="http://schemas.openxmlformats.org/presentationml/2006/main">
+  <p:cSld>
+    <p:spTree>
+      <p:nvGrpSpPr>
+        <p:cNvPr id="1" name=""/>
+        <p:cNvGrpSpPr/>
+        <p:nvPr/>
+      </p:nvGrpSpPr>
+      <p:grpSpPr>
+        <a:xfrm>
+          <a:off x="0" y="0"/>
+          <a:ext cx="0" cy="0"/>
+          <a:chOff x="0" y="0"/>
+          <a:chExt cx="0" cy="0"/>
+        </a:xfrm>
+      </p:grpSpPr>
+      <p:sp>
+        <p:nvSpPr>
+          <p:cNvPr id="2" name="Title 1"/>
+          <p:cNvSpPr>
+            <a:spLocks noGrp="1"/>
+          </p:cNvSpPr>
+          <p:nvPr>
+            <p:ph type="title"/>
+          </p:nvPr>
+        </p:nvSpPr>
+        <p:spPr/>
+        <p:txBody>
+          <a:bodyPr/>
+          <a:lstStyle/>
+          <a:p>
+            <a:r>
+              <a:rPr lang="en-US" dirty="0" smtClean="0"/>
+              <a:t>Conclusion</a:t>
+            </a:r>
+            <a:endParaRPr lang="en-US" dirty="0"/>
+          </a:p>
+        </p:txBody>
+      </p:sp>
+      <p:sp>
+        <p:nvSpPr>
+          <p:cNvPr id="3" name="Content Placeholder 2"/>
+          <p:cNvSpPr>
+            <a:spLocks noGrp="1"/>
+          </p:cNvSpPr>
+          <p:nvPr>
+            <p:ph idx="1"/>
+          </p:nvPr>
+        </p:nvSpPr>
+        <p:spPr/>
+        <p:txBody>
+          <a:bodyPr/>
+          <a:lstStyle/>
+          <a:p>
+            <a:r>
+              <a:rPr lang="en-US" dirty="0" smtClean="0"/>
+              <a:t>Created general term dependence model that can use arbitrary text features (lambda function)</a:t>
+            </a:r>
+          </a:p>
+          <a:p>
+            <a:r>
+              <a:rPr lang="en-US" dirty="0" smtClean="0"/>
+              <a:t>Can mimic most other models based on parameters</a:t>
+            </a:r>
+          </a:p>
+          <a:p>
+            <a:r>
+              <a:rPr lang="en-US" dirty="0"/>
+              <a:t>Significant improvement on larger </a:t>
+            </a:r>
+            <a:r>
+              <a:rPr lang="en-US" dirty="0" smtClean="0"/>
+              <a:t>collections</a:t>
+            </a:r>
+          </a:p>
+          <a:p>
+            <a:pPr lvl="1"/>
+            <a:r>
+              <a:rPr lang="en-US" dirty="0" smtClean="0"/>
+              <a:t>Explains that Gao got good results because of testing on larger collections compared to previous studies</a:t>
+            </a:r>
+          </a:p>
+          <a:p>
+            <a:endParaRPr lang="en-US" dirty="0"/>
+          </a:p>
+        </p:txBody>
+      </p:sp>
+      <p:sp>
+        <p:nvSpPr>
+          <p:cNvPr id="4" name="Slide Number Placeholder 3"/>
+          <p:cNvSpPr>
+            <a:spLocks noGrp="1"/>
+          </p:cNvSpPr>
+          <p:nvPr>
+            <p:ph type="sldNum" sz="quarter" idx="12"/>
+          </p:nvPr>
+        </p:nvSpPr>
+        <p:spPr/>
+        <p:txBody>
+          <a:bodyPr/>
+          <a:lstStyle/>
+          <a:p>
+            <a:fld id="{38A27C39-69BC-486E-A789-EB1E62B74FE5}" type="slidenum">
+              <a:rPr lang="en-US" smtClean="0"/>
+              <a:t>17</a:t>
+            </a:fld>
+            <a:endParaRPr lang="en-US"/>
+          </a:p>
+        </p:txBody>
+      </p:sp>
+    </p:spTree>
+    <p:extLst>
+      <p:ext uri="{BB962C8B-B14F-4D97-AF65-F5344CB8AC3E}">
+        <p14:creationId xmlns:p14="http://schemas.microsoft.com/office/powerpoint/2010/main" val="246169560"/>
       </p:ext>
     </p:extLst>
   </p:cSld>
@@ -3754,7 +5453,7 @@
           <p:cNvPr id="2" name="Title 1">
             <a:extLst>
               <a:ext uri="{FF2B5EF4-FFF2-40B4-BE49-F238E27FC236}">
-                <a16:creationId xmlns:a16="http://schemas.microsoft.com/office/drawing/2014/main" id="{A46E7317-06EE-48AA-BDAC-51732CBF40A3}"/>
+                <a16:creationId xmlns:a16="http://schemas.microsoft.com/office/drawing/2014/main" xmlns="" id="{A46E7317-06EE-48AA-BDAC-51732CBF40A3}"/>
               </a:ext>
             </a:extLst>
           </p:cNvPr>
@@ -3782,7 +5481,7 @@
           <p:cNvPr id="3" name="Content Placeholder 2">
             <a:extLst>
               <a:ext uri="{FF2B5EF4-FFF2-40B4-BE49-F238E27FC236}">
-                <a16:creationId xmlns:a16="http://schemas.microsoft.com/office/drawing/2014/main" id="{9EF72E25-7C1E-471D-A06C-EDFCAB7D8D85}"/>
+                <a16:creationId xmlns:a16="http://schemas.microsoft.com/office/drawing/2014/main" xmlns="" id="{9EF72E25-7C1E-471D-A06C-EDFCAB7D8D85}"/>
               </a:ext>
             </a:extLst>
           </p:cNvPr>
@@ -3795,23 +5494,30 @@
         </p:nvSpPr>
         <p:spPr/>
         <p:txBody>
-          <a:bodyPr/>
-          <a:lstStyle/>
-          <a:p>
-            <a:r>
-              <a:rPr lang="en-US" dirty="0"/>
-              <a:t>Pull words out of a “bucket” according to the probability distribution</a:t>
-            </a:r>
-          </a:p>
-          <a:p>
-            <a:r>
-              <a:rPr lang="en-US" dirty="0"/>
+          <a:bodyPr>
+            <a:normAutofit/>
+          </a:bodyPr>
+          <a:lstStyle/>
+          <a:p>
+            <a:r>
+              <a:rPr lang="en-US" sz="4000" dirty="0"/>
+              <a:t>Pull words out of a “bucket” according to </a:t>
+            </a:r>
+            <a:r>
+              <a:rPr lang="en-US" sz="4000" dirty="0" smtClean="0"/>
+              <a:t>probability distribution over words in document</a:t>
+            </a:r>
+            <a:endParaRPr lang="en-US" sz="4000" dirty="0"/>
+          </a:p>
+          <a:p>
+            <a:r>
+              <a:rPr lang="en-US" sz="4000" dirty="0"/>
               <a:t>Rank documents by probability that the document can generate the query </a:t>
             </a:r>
           </a:p>
           <a:p>
             <a:r>
-              <a:rPr lang="en-US" dirty="0"/>
+              <a:rPr lang="en-US" sz="4000" dirty="0"/>
               <a:t>Assumes independence between terms</a:t>
             </a:r>
           </a:p>
@@ -3822,7 +5528,7 @@
           <p:cNvPr id="4" name="Slide Number Placeholder 3">
             <a:extLst>
               <a:ext uri="{FF2B5EF4-FFF2-40B4-BE49-F238E27FC236}">
-                <a16:creationId xmlns:a16="http://schemas.microsoft.com/office/drawing/2014/main" id="{2CEFE4CC-F8CC-4857-869F-0CB0A7FA3E65}"/>
+                <a16:creationId xmlns:a16="http://schemas.microsoft.com/office/drawing/2014/main" xmlns="" id="{2CEFE4CC-F8CC-4857-869F-0CB0A7FA3E65}"/>
               </a:ext>
             </a:extLst>
           </p:cNvPr>
@@ -3881,7 +5587,7 @@
           <p:cNvPr id="2" name="Title 1">
             <a:extLst>
               <a:ext uri="{FF2B5EF4-FFF2-40B4-BE49-F238E27FC236}">
-                <a16:creationId xmlns:a16="http://schemas.microsoft.com/office/drawing/2014/main" id="{8C70274C-29CA-40D3-A0AB-36414957959D}"/>
+                <a16:creationId xmlns:a16="http://schemas.microsoft.com/office/drawing/2014/main" xmlns="" id="{8C70274C-29CA-40D3-A0AB-36414957959D}"/>
               </a:ext>
             </a:extLst>
           </p:cNvPr>
@@ -3909,7 +5615,7 @@
           <p:cNvPr id="3" name="Content Placeholder 2">
             <a:extLst>
               <a:ext uri="{FF2B5EF4-FFF2-40B4-BE49-F238E27FC236}">
-                <a16:creationId xmlns:a16="http://schemas.microsoft.com/office/drawing/2014/main" id="{1D8DD70D-90A8-48A0-AE52-1AE640481B7F}"/>
+                <a16:creationId xmlns:a16="http://schemas.microsoft.com/office/drawing/2014/main" xmlns="" id="{1D8DD70D-90A8-48A0-AE52-1AE640481B7F}"/>
               </a:ext>
             </a:extLst>
           </p:cNvPr>
@@ -3922,53 +5628,87 @@
         </p:nvSpPr>
         <p:spPr/>
         <p:txBody>
-          <a:bodyPr/>
-          <a:lstStyle/>
-          <a:p>
-            <a:r>
-              <a:rPr lang="en-US" dirty="0"/>
+          <a:bodyPr>
+            <a:normAutofit/>
+          </a:bodyPr>
+          <a:lstStyle/>
+          <a:p>
+            <a:r>
+              <a:rPr lang="en-US" sz="4000" dirty="0"/>
               <a:t>Does not capture more distant dependencies</a:t>
             </a:r>
           </a:p>
           <a:p>
             <a:pPr lvl="1"/>
             <a:r>
-              <a:rPr lang="en-US" dirty="0"/>
+              <a:rPr lang="en-US" sz="4000" dirty="0" smtClean="0"/>
+              <a:t>“Are </a:t>
+            </a:r>
+            <a:r>
+              <a:rPr lang="en-US" sz="4000" b="1" dirty="0" smtClean="0"/>
+              <a:t>Lincolns</a:t>
+            </a:r>
+            <a:r>
+              <a:rPr lang="en-US" sz="4000" dirty="0" smtClean="0"/>
+              <a:t> the </a:t>
+            </a:r>
+            <a:r>
+              <a:rPr lang="en-US" sz="4000" dirty="0"/>
+              <a:t>most reliable </a:t>
+            </a:r>
+            <a:r>
+              <a:rPr lang="en-US" sz="4000" b="1" dirty="0"/>
+              <a:t>cars</a:t>
+            </a:r>
+            <a:r>
+              <a:rPr lang="en-US" sz="4000" dirty="0"/>
+              <a:t>”</a:t>
+            </a:r>
+          </a:p>
+          <a:p>
+            <a:r>
+              <a:rPr lang="en-US" sz="4000" dirty="0"/>
+              <a:t>Many noisy dependencies</a:t>
+            </a:r>
+          </a:p>
+          <a:p>
+            <a:pPr lvl="1"/>
+            <a:r>
+              <a:rPr lang="en-US" sz="4000" dirty="0"/>
+              <a:t>Going to link all adjacent words regardless of strength of </a:t>
+            </a:r>
+            <a:r>
+              <a:rPr lang="en-US" sz="4000" dirty="0" smtClean="0"/>
+              <a:t>dependency</a:t>
+            </a:r>
+          </a:p>
+          <a:p>
+            <a:pPr lvl="1"/>
+            <a:r>
+              <a:rPr lang="en-US" sz="4000" dirty="0" smtClean="0"/>
               <a:t>“</a:t>
             </a:r>
             <a:r>
-              <a:rPr lang="en-US" b="1" dirty="0"/>
-              <a:t>Lincolns</a:t>
-            </a:r>
-            <a:r>
-              <a:rPr lang="en-US" dirty="0"/>
-              <a:t> are the most reliable </a:t>
-            </a:r>
-            <a:r>
-              <a:rPr lang="en-US" b="1" dirty="0"/>
-              <a:t>cars</a:t>
-            </a:r>
-            <a:r>
-              <a:rPr lang="en-US" dirty="0"/>
-              <a:t>”</a:t>
-            </a:r>
-          </a:p>
-          <a:p>
-            <a:r>
-              <a:rPr lang="en-US" dirty="0"/>
-              <a:t>Many noisy dependencies</a:t>
-            </a:r>
+              <a:rPr lang="en-US" sz="4000" b="1" dirty="0" smtClean="0"/>
+              <a:t>Status</a:t>
+            </a:r>
+            <a:r>
+              <a:rPr lang="en-US" sz="4000" dirty="0" smtClean="0"/>
+              <a:t> of </a:t>
+            </a:r>
+            <a:r>
+              <a:rPr lang="en-US" sz="4000" b="1" dirty="0" smtClean="0"/>
+              <a:t>nuclear</a:t>
+            </a:r>
+            <a:r>
+              <a:rPr lang="en-US" sz="4000" dirty="0" smtClean="0"/>
+              <a:t> proliferation treaties”</a:t>
+            </a:r>
+            <a:endParaRPr lang="en-US" sz="4000" dirty="0"/>
           </a:p>
           <a:p>
             <a:pPr lvl="1"/>
-            <a:r>
-              <a:rPr lang="en-US" dirty="0"/>
-              <a:t>Going to link all adjacent words regardless of strength of dependency</a:t>
-            </a:r>
-          </a:p>
-          <a:p>
-            <a:pPr lvl="1"/>
-            <a:endParaRPr lang="en-US" dirty="0"/>
+            <a:endParaRPr lang="en-US" sz="4000" dirty="0"/>
           </a:p>
         </p:txBody>
       </p:sp>
@@ -3977,7 +5717,7 @@
           <p:cNvPr id="4" name="Slide Number Placeholder 3">
             <a:extLst>
               <a:ext uri="{FF2B5EF4-FFF2-40B4-BE49-F238E27FC236}">
-                <a16:creationId xmlns:a16="http://schemas.microsoft.com/office/drawing/2014/main" id="{3B6D52B2-8833-4D34-9534-D46F57F57456}"/>
+                <a16:creationId xmlns:a16="http://schemas.microsoft.com/office/drawing/2014/main" xmlns="" id="{3B6D52B2-8833-4D34-9534-D46F57F57456}"/>
               </a:ext>
             </a:extLst>
           </p:cNvPr>
@@ -4036,7 +5776,7 @@
           <p:cNvPr id="2" name="Title 1">
             <a:extLst>
               <a:ext uri="{FF2B5EF4-FFF2-40B4-BE49-F238E27FC236}">
-                <a16:creationId xmlns:a16="http://schemas.microsoft.com/office/drawing/2014/main" id="{D0DDC387-C0EC-4BD3-91BF-12FBBFB46412}"/>
+                <a16:creationId xmlns:a16="http://schemas.microsoft.com/office/drawing/2014/main" xmlns="" id="{D0DDC387-C0EC-4BD3-91BF-12FBBFB46412}"/>
               </a:ext>
             </a:extLst>
           </p:cNvPr>
@@ -4064,7 +5804,7 @@
           <p:cNvPr id="3" name="Content Placeholder 2">
             <a:extLst>
               <a:ext uri="{FF2B5EF4-FFF2-40B4-BE49-F238E27FC236}">
-                <a16:creationId xmlns:a16="http://schemas.microsoft.com/office/drawing/2014/main" id="{4472D523-7509-4940-AD4C-19B25568AACD}"/>
+                <a16:creationId xmlns:a16="http://schemas.microsoft.com/office/drawing/2014/main" xmlns="" id="{4472D523-7509-4940-AD4C-19B25568AACD}"/>
               </a:ext>
             </a:extLst>
           </p:cNvPr>
@@ -4120,7 +5860,7 @@
           <p:cNvPr id="4" name="Slide Number Placeholder 3">
             <a:extLst>
               <a:ext uri="{FF2B5EF4-FFF2-40B4-BE49-F238E27FC236}">
-                <a16:creationId xmlns:a16="http://schemas.microsoft.com/office/drawing/2014/main" id="{5EF6203B-E877-4D26-AB2B-6002E33B3008}"/>
+                <a16:creationId xmlns:a16="http://schemas.microsoft.com/office/drawing/2014/main" xmlns="" id="{5EF6203B-E877-4D26-AB2B-6002E33B3008}"/>
               </a:ext>
             </a:extLst>
           </p:cNvPr>
@@ -4144,6 +5884,30 @@
           </a:p>
         </p:txBody>
       </p:sp>
+      <p:pic>
+        <p:nvPicPr>
+          <p:cNvPr id="5" name="Picture 4"/>
+          <p:cNvPicPr>
+            <a:picLocks noChangeAspect="1"/>
+          </p:cNvPicPr>
+          <p:nvPr/>
+        </p:nvPicPr>
+        <p:blipFill>
+          <a:blip r:embed="rId2"/>
+          <a:stretch>
+            <a:fillRect/>
+          </a:stretch>
+        </p:blipFill>
+        <p:spPr>
+          <a:xfrm>
+            <a:off x="2379696" y="4332531"/>
+            <a:ext cx="7432607" cy="2206381"/>
+          </a:xfrm>
+          <a:prstGeom prst="rect">
+            <a:avLst/>
+          </a:prstGeom>
+        </p:spPr>
+      </p:pic>
     </p:spTree>
     <p:extLst>
       <p:ext uri="{BB962C8B-B14F-4D97-AF65-F5344CB8AC3E}">
@@ -4179,7 +5943,7 @@
           <p:cNvPr id="2" name="Title 1">
             <a:extLst>
               <a:ext uri="{FF2B5EF4-FFF2-40B4-BE49-F238E27FC236}">
-                <a16:creationId xmlns:a16="http://schemas.microsoft.com/office/drawing/2014/main" id="{7432E975-CA5A-4595-AB99-B667EC3137DF}"/>
+                <a16:creationId xmlns:a16="http://schemas.microsoft.com/office/drawing/2014/main" xmlns="" id="{7432E975-CA5A-4595-AB99-B667EC3137DF}"/>
               </a:ext>
             </a:extLst>
           </p:cNvPr>
@@ -4207,7 +5971,7 @@
           <p:cNvPr id="5" name="Content Placeholder 4">
             <a:extLst>
               <a:ext uri="{FF2B5EF4-FFF2-40B4-BE49-F238E27FC236}">
-                <a16:creationId xmlns:a16="http://schemas.microsoft.com/office/drawing/2014/main" id="{C38942DD-1BFA-44A0-A4A8-B13CC85B7164}"/>
+                <a16:creationId xmlns:a16="http://schemas.microsoft.com/office/drawing/2014/main" xmlns="" id="{C38942DD-1BFA-44A0-A4A8-B13CC85B7164}"/>
               </a:ext>
             </a:extLst>
           </p:cNvPr>
@@ -4239,7 +6003,7 @@
           <p:cNvPr id="4" name="Slide Number Placeholder 3">
             <a:extLst>
               <a:ext uri="{FF2B5EF4-FFF2-40B4-BE49-F238E27FC236}">
-                <a16:creationId xmlns:a16="http://schemas.microsoft.com/office/drawing/2014/main" id="{C536E16A-74A5-425F-A8F3-433E0EAD2508}"/>
+                <a16:creationId xmlns:a16="http://schemas.microsoft.com/office/drawing/2014/main" xmlns="" id="{C536E16A-74A5-425F-A8F3-433E0EAD2508}"/>
               </a:ext>
             </a:extLst>
           </p:cNvPr>
@@ -4268,7 +6032,7 @@
           <p:cNvPr id="6" name="Picture 5">
             <a:extLst>
               <a:ext uri="{FF2B5EF4-FFF2-40B4-BE49-F238E27FC236}">
-                <a16:creationId xmlns:a16="http://schemas.microsoft.com/office/drawing/2014/main" id="{8CF7D758-26ED-4827-9C96-D312AC3DB259}"/>
+                <a16:creationId xmlns:a16="http://schemas.microsoft.com/office/drawing/2014/main" xmlns="" id="{8CF7D758-26ED-4827-9C96-D312AC3DB259}"/>
               </a:ext>
             </a:extLst>
           </p:cNvPr>
@@ -4325,13 +6089,7 @@
       </p:grpSpPr>
       <p:sp>
         <p:nvSpPr>
-          <p:cNvPr id="2" name="Title 1">
-            <a:extLst>
-              <a:ext uri="{FF2B5EF4-FFF2-40B4-BE49-F238E27FC236}">
-                <a16:creationId xmlns:a16="http://schemas.microsoft.com/office/drawing/2014/main" id="{A8455993-F69D-47BF-B743-5AD83CA8585C}"/>
-              </a:ext>
-            </a:extLst>
-          </p:cNvPr>
+          <p:cNvPr id="2" name="Title 1"/>
           <p:cNvSpPr>
             <a:spLocks noGrp="1"/>
           </p:cNvSpPr>
@@ -4345,21 +6103,16 @@
           <a:lstStyle/>
           <a:p>
             <a:r>
-              <a:rPr lang="en-US" dirty="0"/>
-              <a:t>Parameter Estimation </a:t>
-            </a:r>
-          </a:p>
-        </p:txBody>
-      </p:sp>
-      <p:sp>
-        <p:nvSpPr>
-          <p:cNvPr id="3" name="Content Placeholder 2">
-            <a:extLst>
-              <a:ext uri="{FF2B5EF4-FFF2-40B4-BE49-F238E27FC236}">
-                <a16:creationId xmlns:a16="http://schemas.microsoft.com/office/drawing/2014/main" id="{44811332-925F-426B-85BB-7189151E6917}"/>
-              </a:ext>
-            </a:extLst>
-          </p:cNvPr>
+              <a:rPr lang="en-US" dirty="0" smtClean="0"/>
+              <a:t>Generating the Query</a:t>
+            </a:r>
+            <a:endParaRPr lang="en-US" dirty="0"/>
+          </a:p>
+        </p:txBody>
+      </p:sp>
+      <p:sp>
+        <p:nvSpPr>
+          <p:cNvPr id="3" name="Content Placeholder 2"/>
           <p:cNvSpPr>
             <a:spLocks noGrp="1"/>
           </p:cNvSpPr>
@@ -4369,22 +6122,28 @@
         </p:nvSpPr>
         <p:spPr/>
         <p:txBody>
-          <a:bodyPr/>
-          <a:lstStyle/>
-          <a:p>
-            <a:endParaRPr lang="en-US"/>
-          </a:p>
-        </p:txBody>
-      </p:sp>
-      <p:sp>
-        <p:nvSpPr>
-          <p:cNvPr id="4" name="Slide Number Placeholder 3">
-            <a:extLst>
-              <a:ext uri="{FF2B5EF4-FFF2-40B4-BE49-F238E27FC236}">
-                <a16:creationId xmlns:a16="http://schemas.microsoft.com/office/drawing/2014/main" id="{C126FFF3-C80A-407E-ACDA-632087DEC4CA}"/>
-              </a:ext>
-            </a:extLst>
-          </p:cNvPr>
+          <a:bodyPr>
+            <a:normAutofit/>
+          </a:bodyPr>
+          <a:lstStyle/>
+          <a:p>
+            <a:r>
+              <a:rPr lang="en-US" sz="3600" dirty="0" smtClean="0"/>
+              <a:t>Linkage is generated from the document </a:t>
+            </a:r>
+          </a:p>
+          <a:p>
+            <a:r>
+              <a:rPr lang="en-US" sz="3600" dirty="0" smtClean="0"/>
+              <a:t>Query is generated from the probability distribution of words in the document including the linkage</a:t>
+            </a:r>
+            <a:endParaRPr lang="en-US" sz="3600" dirty="0"/>
+          </a:p>
+        </p:txBody>
+      </p:sp>
+      <p:sp>
+        <p:nvSpPr>
+          <p:cNvPr id="4" name="Slide Number Placeholder 3"/>
           <p:cNvSpPr>
             <a:spLocks noGrp="1"/>
           </p:cNvSpPr>
@@ -4408,7 +6167,7 @@
     </p:spTree>
     <p:extLst>
       <p:ext uri="{BB962C8B-B14F-4D97-AF65-F5344CB8AC3E}">
-        <p14:creationId xmlns:p14="http://schemas.microsoft.com/office/powerpoint/2010/main" val="2904578028"/>
+        <p14:creationId xmlns:p14="http://schemas.microsoft.com/office/powerpoint/2010/main" val="1713465124"/>
       </p:ext>
     </p:extLst>
   </p:cSld>
@@ -4437,13 +6196,7 @@
       </p:grpSpPr>
       <p:sp>
         <p:nvSpPr>
-          <p:cNvPr id="2" name="Title 1">
-            <a:extLst>
-              <a:ext uri="{FF2B5EF4-FFF2-40B4-BE49-F238E27FC236}">
-                <a16:creationId xmlns:a16="http://schemas.microsoft.com/office/drawing/2014/main" id="{5EF3396E-A696-4D02-8682-C83A60287A8D}"/>
-              </a:ext>
-            </a:extLst>
-          </p:cNvPr>
+          <p:cNvPr id="2" name="Title 1"/>
           <p:cNvSpPr>
             <a:spLocks noGrp="1"/>
           </p:cNvSpPr>
@@ -4457,46 +6210,16 @@
           <a:lstStyle/>
           <a:p>
             <a:r>
-              <a:rPr lang="en-US" dirty="0"/>
-              <a:t>Evaluation</a:t>
-            </a:r>
-          </a:p>
-        </p:txBody>
-      </p:sp>
-      <p:sp>
-        <p:nvSpPr>
-          <p:cNvPr id="3" name="Content Placeholder 2">
-            <a:extLst>
-              <a:ext uri="{FF2B5EF4-FFF2-40B4-BE49-F238E27FC236}">
-                <a16:creationId xmlns:a16="http://schemas.microsoft.com/office/drawing/2014/main" id="{22656AF1-1DAC-4641-88B9-95C6FCB9CFA8}"/>
-              </a:ext>
-            </a:extLst>
-          </p:cNvPr>
-          <p:cNvSpPr>
-            <a:spLocks noGrp="1"/>
-          </p:cNvSpPr>
-          <p:nvPr>
-            <p:ph idx="1"/>
-          </p:nvPr>
-        </p:nvSpPr>
-        <p:spPr/>
-        <p:txBody>
-          <a:bodyPr/>
-          <a:lstStyle/>
-          <a:p>
-            <a:endParaRPr lang="en-US"/>
-          </a:p>
-        </p:txBody>
-      </p:sp>
-      <p:sp>
-        <p:nvSpPr>
-          <p:cNvPr id="4" name="Slide Number Placeholder 3">
-            <a:extLst>
-              <a:ext uri="{FF2B5EF4-FFF2-40B4-BE49-F238E27FC236}">
-                <a16:creationId xmlns:a16="http://schemas.microsoft.com/office/drawing/2014/main" id="{C0883B24-A7B8-4729-AA67-2D3E0BBF97C1}"/>
-              </a:ext>
-            </a:extLst>
-          </p:cNvPr>
+              <a:rPr lang="en-US" dirty="0" smtClean="0"/>
+              <a:t>Ranking Equation</a:t>
+            </a:r>
+            <a:endParaRPr lang="en-US" dirty="0"/>
+          </a:p>
+        </p:txBody>
+      </p:sp>
+      <p:sp>
+        <p:nvSpPr>
+          <p:cNvPr id="4" name="Slide Number Placeholder 3"/>
           <p:cNvSpPr>
             <a:spLocks noGrp="1"/>
           </p:cNvSpPr>
@@ -4517,10 +6240,325 @@
           </a:p>
         </p:txBody>
       </p:sp>
+      <p:pic>
+        <p:nvPicPr>
+          <p:cNvPr id="5" name="Picture 4"/>
+          <p:cNvPicPr>
+            <a:picLocks noChangeAspect="1"/>
+          </p:cNvPicPr>
+          <p:nvPr/>
+        </p:nvPicPr>
+        <p:blipFill>
+          <a:blip r:embed="rId2"/>
+          <a:stretch>
+            <a:fillRect/>
+          </a:stretch>
+        </p:blipFill>
+        <p:spPr>
+          <a:xfrm>
+            <a:off x="2566132" y="2419594"/>
+            <a:ext cx="6762750" cy="1695450"/>
+          </a:xfrm>
+          <a:prstGeom prst="rect">
+            <a:avLst/>
+          </a:prstGeom>
+        </p:spPr>
+      </p:pic>
+      <p:sp>
+        <p:nvSpPr>
+          <p:cNvPr id="7" name="TextBox 6"/>
+          <p:cNvSpPr txBox="1"/>
+          <p:nvPr/>
+        </p:nvSpPr>
+        <p:spPr>
+          <a:xfrm>
+            <a:off x="3618523" y="1843155"/>
+            <a:ext cx="3688862" cy="369332"/>
+          </a:xfrm>
+          <a:prstGeom prst="rect">
+            <a:avLst/>
+          </a:prstGeom>
+          <a:noFill/>
+        </p:spPr>
+        <p:txBody>
+          <a:bodyPr wrap="square" rtlCol="0">
+            <a:spAutoFit/>
+          </a:bodyPr>
+          <a:lstStyle/>
+          <a:p>
+            <a:r>
+              <a:rPr lang="en-US" dirty="0" err="1" smtClean="0"/>
+              <a:t>Prob</a:t>
+            </a:r>
+            <a:r>
+              <a:rPr lang="en-US" dirty="0" smtClean="0"/>
+              <a:t> of Linkage given Document</a:t>
+            </a:r>
+            <a:endParaRPr lang="en-US" dirty="0"/>
+          </a:p>
+        </p:txBody>
+      </p:sp>
+      <p:pic>
+        <p:nvPicPr>
+          <p:cNvPr id="8" name="Picture 7"/>
+          <p:cNvPicPr>
+            <a:picLocks noChangeAspect="1"/>
+          </p:cNvPicPr>
+          <p:nvPr/>
+        </p:nvPicPr>
+        <p:blipFill>
+          <a:blip r:embed="rId3"/>
+          <a:stretch>
+            <a:fillRect/>
+          </a:stretch>
+        </p:blipFill>
+        <p:spPr>
+          <a:xfrm>
+            <a:off x="898158" y="5184530"/>
+            <a:ext cx="2924175" cy="381000"/>
+          </a:xfrm>
+          <a:prstGeom prst="rect">
+            <a:avLst/>
+          </a:prstGeom>
+        </p:spPr>
+      </p:pic>
+      <p:pic>
+        <p:nvPicPr>
+          <p:cNvPr id="9" name="Picture 8"/>
+          <p:cNvPicPr>
+            <a:picLocks noChangeAspect="1"/>
+          </p:cNvPicPr>
+          <p:nvPr/>
+        </p:nvPicPr>
+        <p:blipFill>
+          <a:blip r:embed="rId4"/>
+          <a:stretch>
+            <a:fillRect/>
+          </a:stretch>
+        </p:blipFill>
+        <p:spPr>
+          <a:xfrm>
+            <a:off x="1362075" y="4718660"/>
+            <a:ext cx="323850" cy="390525"/>
+          </a:xfrm>
+          <a:prstGeom prst="rect">
+            <a:avLst/>
+          </a:prstGeom>
+        </p:spPr>
+      </p:pic>
+      <p:pic>
+        <p:nvPicPr>
+          <p:cNvPr id="10" name="Picture 9"/>
+          <p:cNvPicPr>
+            <a:picLocks noChangeAspect="1"/>
+          </p:cNvPicPr>
+          <p:nvPr/>
+        </p:nvPicPr>
+        <p:blipFill>
+          <a:blip r:embed="rId5"/>
+          <a:stretch>
+            <a:fillRect/>
+          </a:stretch>
+        </p:blipFill>
+        <p:spPr>
+          <a:xfrm>
+            <a:off x="2654300" y="4718660"/>
+            <a:ext cx="381000" cy="371475"/>
+          </a:xfrm>
+          <a:prstGeom prst="rect">
+            <a:avLst/>
+          </a:prstGeom>
+        </p:spPr>
+      </p:pic>
+      <p:sp>
+        <p:nvSpPr>
+          <p:cNvPr id="11" name="TextBox 10"/>
+          <p:cNvSpPr txBox="1"/>
+          <p:nvPr/>
+        </p:nvSpPr>
+        <p:spPr>
+          <a:xfrm>
+            <a:off x="7471508" y="1946031"/>
+            <a:ext cx="4587630" cy="369332"/>
+          </a:xfrm>
+          <a:prstGeom prst="rect">
+            <a:avLst/>
+          </a:prstGeom>
+          <a:noFill/>
+        </p:spPr>
+        <p:txBody>
+          <a:bodyPr wrap="square" rtlCol="0">
+            <a:spAutoFit/>
+          </a:bodyPr>
+          <a:lstStyle/>
+          <a:p>
+            <a:r>
+              <a:rPr lang="en-US" dirty="0" smtClean="0"/>
+              <a:t>Sum of </a:t>
+            </a:r>
+            <a:r>
+              <a:rPr lang="en-US" dirty="0" err="1" smtClean="0"/>
+              <a:t>Prob</a:t>
+            </a:r>
+            <a:r>
+              <a:rPr lang="en-US" dirty="0" smtClean="0"/>
+              <a:t> of query term given document</a:t>
+            </a:r>
+            <a:endParaRPr lang="en-US" dirty="0"/>
+          </a:p>
+        </p:txBody>
+      </p:sp>
+      <p:sp>
+        <p:nvSpPr>
+          <p:cNvPr id="13" name="TextBox 12"/>
+          <p:cNvSpPr txBox="1"/>
+          <p:nvPr/>
+        </p:nvSpPr>
+        <p:spPr>
+          <a:xfrm>
+            <a:off x="6275754" y="4040554"/>
+            <a:ext cx="4251569" cy="646331"/>
+          </a:xfrm>
+          <a:prstGeom prst="rect">
+            <a:avLst/>
+          </a:prstGeom>
+          <a:noFill/>
+        </p:spPr>
+        <p:txBody>
+          <a:bodyPr wrap="square" rtlCol="0">
+            <a:spAutoFit/>
+          </a:bodyPr>
+          <a:lstStyle/>
+          <a:p>
+            <a:r>
+              <a:rPr lang="en-US" dirty="0" smtClean="0"/>
+              <a:t>Sum term dependencies for q</a:t>
+            </a:r>
+            <a:r>
+              <a:rPr lang="en-US" baseline="-25000" dirty="0" smtClean="0"/>
+              <a:t>i</a:t>
+            </a:r>
+            <a:r>
+              <a:rPr lang="en-US" dirty="0" smtClean="0"/>
+              <a:t> and q</a:t>
+            </a:r>
+            <a:r>
+              <a:rPr lang="en-US" baseline="-25000" dirty="0" smtClean="0"/>
+              <a:t>j</a:t>
+            </a:r>
+            <a:r>
+              <a:rPr lang="en-US" dirty="0" smtClean="0"/>
+              <a:t> given the linkage and the document </a:t>
+            </a:r>
+            <a:endParaRPr lang="en-US" dirty="0"/>
+          </a:p>
+        </p:txBody>
+      </p:sp>
+      <p:cxnSp>
+        <p:nvCxnSpPr>
+          <p:cNvPr id="15" name="Straight Arrow Connector 14"/>
+          <p:cNvCxnSpPr>
+            <a:stCxn id="7" idx="2"/>
+          </p:cNvCxnSpPr>
+          <p:nvPr/>
+        </p:nvCxnSpPr>
+        <p:spPr>
+          <a:xfrm>
+            <a:off x="5462954" y="2212487"/>
+            <a:ext cx="171228" cy="207107"/>
+          </a:xfrm>
+          <a:prstGeom prst="straightConnector1">
+            <a:avLst/>
+          </a:prstGeom>
+          <a:ln>
+            <a:tailEnd type="triangle"/>
+          </a:ln>
+        </p:spPr>
+        <p:style>
+          <a:lnRef idx="1">
+            <a:schemeClr val="dk1"/>
+          </a:lnRef>
+          <a:fillRef idx="0">
+            <a:schemeClr val="dk1"/>
+          </a:fillRef>
+          <a:effectRef idx="0">
+            <a:schemeClr val="dk1"/>
+          </a:effectRef>
+          <a:fontRef idx="minor">
+            <a:schemeClr val="tx1"/>
+          </a:fontRef>
+        </p:style>
+      </p:cxnSp>
+      <p:cxnSp>
+        <p:nvCxnSpPr>
+          <p:cNvPr id="17" name="Straight Arrow Connector 16"/>
+          <p:cNvCxnSpPr/>
+          <p:nvPr/>
+        </p:nvCxnSpPr>
+        <p:spPr>
+          <a:xfrm flipH="1">
+            <a:off x="8164945" y="2315363"/>
+            <a:ext cx="166255" cy="178455"/>
+          </a:xfrm>
+          <a:prstGeom prst="straightConnector1">
+            <a:avLst/>
+          </a:prstGeom>
+          <a:ln>
+            <a:tailEnd type="triangle"/>
+          </a:ln>
+        </p:spPr>
+        <p:style>
+          <a:lnRef idx="1">
+            <a:schemeClr val="dk1"/>
+          </a:lnRef>
+          <a:fillRef idx="0">
+            <a:schemeClr val="dk1"/>
+          </a:fillRef>
+          <a:effectRef idx="0">
+            <a:schemeClr val="dk1"/>
+          </a:effectRef>
+          <a:fontRef idx="minor">
+            <a:schemeClr val="tx1"/>
+          </a:fontRef>
+        </p:style>
+      </p:cxnSp>
+      <p:cxnSp>
+        <p:nvCxnSpPr>
+          <p:cNvPr id="19" name="Straight Arrow Connector 18"/>
+          <p:cNvCxnSpPr/>
+          <p:nvPr/>
+        </p:nvCxnSpPr>
+        <p:spPr>
+          <a:xfrm flipH="1" flipV="1">
+            <a:off x="6825673" y="3851564"/>
+            <a:ext cx="481712" cy="263480"/>
+          </a:xfrm>
+          <a:prstGeom prst="straightConnector1">
+            <a:avLst/>
+          </a:prstGeom>
+          <a:ln>
+            <a:tailEnd type="triangle"/>
+          </a:ln>
+        </p:spPr>
+        <p:style>
+          <a:lnRef idx="1">
+            <a:schemeClr val="dk1"/>
+          </a:lnRef>
+          <a:fillRef idx="0">
+            <a:schemeClr val="dk1"/>
+          </a:fillRef>
+          <a:effectRef idx="0">
+            <a:schemeClr val="dk1"/>
+          </a:effectRef>
+          <a:fontRef idx="minor">
+            <a:schemeClr val="tx1"/>
+          </a:fontRef>
+        </p:style>
+      </p:cxnSp>
     </p:spTree>
     <p:extLst>
       <p:ext uri="{BB962C8B-B14F-4D97-AF65-F5344CB8AC3E}">
-        <p14:creationId xmlns:p14="http://schemas.microsoft.com/office/powerpoint/2010/main" val="2430799456"/>
+        <p14:creationId xmlns:p14="http://schemas.microsoft.com/office/powerpoint/2010/main" val="2708554250"/>
       </p:ext>
     </p:extLst>
   </p:cSld>
@@ -4552,7 +6590,7 @@
           <p:cNvPr id="2" name="Title 1">
             <a:extLst>
               <a:ext uri="{FF2B5EF4-FFF2-40B4-BE49-F238E27FC236}">
-                <a16:creationId xmlns:a16="http://schemas.microsoft.com/office/drawing/2014/main" id="{E1F6F985-00CB-411F-B09A-844B5F57B719}"/>
+                <a16:creationId xmlns:a16="http://schemas.microsoft.com/office/drawing/2014/main" xmlns="" id="{5EF3396E-A696-4D02-8682-C83A60287A8D}"/>
               </a:ext>
             </a:extLst>
           </p:cNvPr>
@@ -4570,7 +6608,7 @@
           <a:p>
             <a:r>
               <a:rPr lang="en-US" dirty="0"/>
-              <a:t>A Markov Random Field for Term Dependencies</a:t>
+              <a:t>Evaluation</a:t>
             </a:r>
           </a:p>
         </p:txBody>
@@ -4580,7 +6618,7 @@
           <p:cNvPr id="3" name="Content Placeholder 2">
             <a:extLst>
               <a:ext uri="{FF2B5EF4-FFF2-40B4-BE49-F238E27FC236}">
-                <a16:creationId xmlns:a16="http://schemas.microsoft.com/office/drawing/2014/main" id="{5E6D63F7-732C-4FC6-86E9-5D6149415674}"/>
+                <a16:creationId xmlns:a16="http://schemas.microsoft.com/office/drawing/2014/main" xmlns="" id="{22656AF1-1DAC-4641-88B9-95C6FCB9CFA8}"/>
               </a:ext>
             </a:extLst>
           </p:cNvPr>
@@ -4596,31 +6634,7 @@
           <a:bodyPr/>
           <a:lstStyle/>
           <a:p>
-            <a:r>
-              <a:rPr lang="en-US" dirty="0"/>
-              <a:t>Markov random field</a:t>
-            </a:r>
-          </a:p>
-          <a:p>
-            <a:r>
-              <a:rPr lang="en-US" dirty="0"/>
-              <a:t>Dependence models more effective for larger collections</a:t>
-            </a:r>
-          </a:p>
-          <a:p>
-            <a:r>
-              <a:rPr lang="en-US" dirty="0"/>
-              <a:t>Incorporating several features into a dependence model will improve effectiveness</a:t>
-            </a:r>
-          </a:p>
-          <a:p>
-            <a:r>
-              <a:rPr lang="en-US" dirty="0"/>
-              <a:t>Can show dependency between more than a pair of terms</a:t>
-            </a:r>
-          </a:p>
-          <a:p>
-            <a:endParaRPr lang="en-US" dirty="0"/>
+            <a:endParaRPr lang="en-US"/>
           </a:p>
         </p:txBody>
       </p:sp>
@@ -4629,7 +6643,7 @@
           <p:cNvPr id="4" name="Slide Number Placeholder 3">
             <a:extLst>
               <a:ext uri="{FF2B5EF4-FFF2-40B4-BE49-F238E27FC236}">
-                <a16:creationId xmlns:a16="http://schemas.microsoft.com/office/drawing/2014/main" id="{16ACFBC3-31E2-4031-82EB-4BD7F98406BD}"/>
+                <a16:creationId xmlns:a16="http://schemas.microsoft.com/office/drawing/2014/main" xmlns="" id="{C0883B24-A7B8-4729-AA67-2D3E0BBF97C1}"/>
               </a:ext>
             </a:extLst>
           </p:cNvPr>
@@ -4653,10 +6667,764 @@
           </a:p>
         </p:txBody>
       </p:sp>
+      <p:pic>
+        <p:nvPicPr>
+          <p:cNvPr id="5" name="Picture 4"/>
+          <p:cNvPicPr>
+            <a:picLocks noChangeAspect="1"/>
+          </p:cNvPicPr>
+          <p:nvPr/>
+        </p:nvPicPr>
+        <p:blipFill>
+          <a:blip r:embed="rId2"/>
+          <a:stretch>
+            <a:fillRect/>
+          </a:stretch>
+        </p:blipFill>
+        <p:spPr>
+          <a:xfrm>
+            <a:off x="81809" y="1506942"/>
+            <a:ext cx="11906991" cy="5351058"/>
+          </a:xfrm>
+          <a:prstGeom prst="rect">
+            <a:avLst/>
+          </a:prstGeom>
+        </p:spPr>
+      </p:pic>
+      <p:sp>
+        <p:nvSpPr>
+          <p:cNvPr id="6" name="Rectangle 5"/>
+          <p:cNvSpPr/>
+          <p:nvPr/>
+        </p:nvSpPr>
+        <p:spPr>
+          <a:xfrm>
+            <a:off x="4716229" y="2703551"/>
+            <a:ext cx="1148862" cy="257908"/>
+          </a:xfrm>
+          <a:prstGeom prst="rect">
+            <a:avLst/>
+          </a:prstGeom>
+          <a:solidFill>
+            <a:srgbClr val="FFFF00">
+              <a:alpha val="43000"/>
+            </a:srgbClr>
+          </a:solidFill>
+        </p:spPr>
+        <p:style>
+          <a:lnRef idx="2">
+            <a:schemeClr val="accent1">
+              <a:shade val="50000"/>
+            </a:schemeClr>
+          </a:lnRef>
+          <a:fillRef idx="1">
+            <a:schemeClr val="accent1"/>
+          </a:fillRef>
+          <a:effectRef idx="0">
+            <a:schemeClr val="accent1"/>
+          </a:effectRef>
+          <a:fontRef idx="minor">
+            <a:schemeClr val="lt1"/>
+          </a:fontRef>
+        </p:style>
+        <p:txBody>
+          <a:bodyPr rtlCol="0" anchor="ctr"/>
+          <a:lstStyle/>
+          <a:p>
+            <a:pPr algn="ctr"/>
+            <a:endParaRPr lang="en-US"/>
+          </a:p>
+        </p:txBody>
+      </p:sp>
+      <p:sp>
+        <p:nvSpPr>
+          <p:cNvPr id="7" name="Rectangle 6"/>
+          <p:cNvSpPr/>
+          <p:nvPr/>
+        </p:nvSpPr>
+        <p:spPr>
+          <a:xfrm>
+            <a:off x="980120" y="2703551"/>
+            <a:ext cx="1148862" cy="257908"/>
+          </a:xfrm>
+          <a:prstGeom prst="rect">
+            <a:avLst/>
+          </a:prstGeom>
+          <a:solidFill>
+            <a:srgbClr val="FFFF00">
+              <a:alpha val="43000"/>
+            </a:srgbClr>
+          </a:solidFill>
+        </p:spPr>
+        <p:style>
+          <a:lnRef idx="2">
+            <a:schemeClr val="accent1">
+              <a:shade val="50000"/>
+            </a:schemeClr>
+          </a:lnRef>
+          <a:fillRef idx="1">
+            <a:schemeClr val="accent1"/>
+          </a:fillRef>
+          <a:effectRef idx="0">
+            <a:schemeClr val="accent1"/>
+          </a:effectRef>
+          <a:fontRef idx="minor">
+            <a:schemeClr val="lt1"/>
+          </a:fontRef>
+        </p:style>
+        <p:txBody>
+          <a:bodyPr rtlCol="0" anchor="ctr"/>
+          <a:lstStyle/>
+          <a:p>
+            <a:pPr algn="ctr"/>
+            <a:endParaRPr lang="en-US"/>
+          </a:p>
+        </p:txBody>
+      </p:sp>
+      <p:sp>
+        <p:nvSpPr>
+          <p:cNvPr id="8" name="Rectangle 7"/>
+          <p:cNvSpPr/>
+          <p:nvPr/>
+        </p:nvSpPr>
+        <p:spPr>
+          <a:xfrm>
+            <a:off x="8304556" y="2703551"/>
+            <a:ext cx="1148862" cy="257908"/>
+          </a:xfrm>
+          <a:prstGeom prst="rect">
+            <a:avLst/>
+          </a:prstGeom>
+          <a:solidFill>
+            <a:srgbClr val="FFFF00">
+              <a:alpha val="43000"/>
+            </a:srgbClr>
+          </a:solidFill>
+        </p:spPr>
+        <p:style>
+          <a:lnRef idx="2">
+            <a:schemeClr val="accent1">
+              <a:shade val="50000"/>
+            </a:schemeClr>
+          </a:lnRef>
+          <a:fillRef idx="1">
+            <a:schemeClr val="accent1"/>
+          </a:fillRef>
+          <a:effectRef idx="0">
+            <a:schemeClr val="accent1"/>
+          </a:effectRef>
+          <a:fontRef idx="minor">
+            <a:schemeClr val="lt1"/>
+          </a:fontRef>
+        </p:style>
+        <p:txBody>
+          <a:bodyPr rtlCol="0" anchor="ctr"/>
+          <a:lstStyle/>
+          <a:p>
+            <a:pPr algn="ctr"/>
+            <a:endParaRPr lang="en-US"/>
+          </a:p>
+        </p:txBody>
+      </p:sp>
+      <p:sp>
+        <p:nvSpPr>
+          <p:cNvPr id="9" name="Rectangle 8"/>
+          <p:cNvSpPr/>
+          <p:nvPr/>
+        </p:nvSpPr>
+        <p:spPr>
+          <a:xfrm>
+            <a:off x="980120" y="5395951"/>
+            <a:ext cx="1148862" cy="257908"/>
+          </a:xfrm>
+          <a:prstGeom prst="rect">
+            <a:avLst/>
+          </a:prstGeom>
+          <a:solidFill>
+            <a:srgbClr val="FFFF00">
+              <a:alpha val="43000"/>
+            </a:srgbClr>
+          </a:solidFill>
+        </p:spPr>
+        <p:style>
+          <a:lnRef idx="2">
+            <a:schemeClr val="accent1">
+              <a:shade val="50000"/>
+            </a:schemeClr>
+          </a:lnRef>
+          <a:fillRef idx="1">
+            <a:schemeClr val="accent1"/>
+          </a:fillRef>
+          <a:effectRef idx="0">
+            <a:schemeClr val="accent1"/>
+          </a:effectRef>
+          <a:fontRef idx="minor">
+            <a:schemeClr val="lt1"/>
+          </a:fontRef>
+        </p:style>
+        <p:txBody>
+          <a:bodyPr rtlCol="0" anchor="ctr"/>
+          <a:lstStyle/>
+          <a:p>
+            <a:pPr algn="ctr"/>
+            <a:endParaRPr lang="en-US"/>
+          </a:p>
+        </p:txBody>
+      </p:sp>
+      <p:sp>
+        <p:nvSpPr>
+          <p:cNvPr id="10" name="Rectangle 9"/>
+          <p:cNvSpPr/>
+          <p:nvPr/>
+        </p:nvSpPr>
+        <p:spPr>
+          <a:xfrm>
+            <a:off x="4716229" y="5395951"/>
+            <a:ext cx="1148862" cy="257908"/>
+          </a:xfrm>
+          <a:prstGeom prst="rect">
+            <a:avLst/>
+          </a:prstGeom>
+          <a:solidFill>
+            <a:srgbClr val="FFFF00">
+              <a:alpha val="43000"/>
+            </a:srgbClr>
+          </a:solidFill>
+        </p:spPr>
+        <p:style>
+          <a:lnRef idx="2">
+            <a:schemeClr val="accent1">
+              <a:shade val="50000"/>
+            </a:schemeClr>
+          </a:lnRef>
+          <a:fillRef idx="1">
+            <a:schemeClr val="accent1"/>
+          </a:fillRef>
+          <a:effectRef idx="0">
+            <a:schemeClr val="accent1"/>
+          </a:effectRef>
+          <a:fontRef idx="minor">
+            <a:schemeClr val="lt1"/>
+          </a:fontRef>
+        </p:style>
+        <p:txBody>
+          <a:bodyPr rtlCol="0" anchor="ctr"/>
+          <a:lstStyle/>
+          <a:p>
+            <a:pPr algn="ctr"/>
+            <a:endParaRPr lang="en-US"/>
+          </a:p>
+        </p:txBody>
+      </p:sp>
+      <p:sp>
+        <p:nvSpPr>
+          <p:cNvPr id="11" name="Rectangle 10"/>
+          <p:cNvSpPr/>
+          <p:nvPr/>
+        </p:nvSpPr>
+        <p:spPr>
+          <a:xfrm>
+            <a:off x="8304556" y="5395951"/>
+            <a:ext cx="1148862" cy="257908"/>
+          </a:xfrm>
+          <a:prstGeom prst="rect">
+            <a:avLst/>
+          </a:prstGeom>
+          <a:solidFill>
+            <a:srgbClr val="FFFF00">
+              <a:alpha val="43000"/>
+            </a:srgbClr>
+          </a:solidFill>
+        </p:spPr>
+        <p:style>
+          <a:lnRef idx="2">
+            <a:schemeClr val="accent1">
+              <a:shade val="50000"/>
+            </a:schemeClr>
+          </a:lnRef>
+          <a:fillRef idx="1">
+            <a:schemeClr val="accent1"/>
+          </a:fillRef>
+          <a:effectRef idx="0">
+            <a:schemeClr val="accent1"/>
+          </a:effectRef>
+          <a:fontRef idx="minor">
+            <a:schemeClr val="lt1"/>
+          </a:fontRef>
+        </p:style>
+        <p:txBody>
+          <a:bodyPr rtlCol="0" anchor="ctr"/>
+          <a:lstStyle/>
+          <a:p>
+            <a:pPr algn="ctr"/>
+            <a:endParaRPr lang="en-US"/>
+          </a:p>
+        </p:txBody>
+      </p:sp>
+      <p:sp>
+        <p:nvSpPr>
+          <p:cNvPr id="12" name="Rectangle 11"/>
+          <p:cNvSpPr/>
+          <p:nvPr/>
+        </p:nvSpPr>
+        <p:spPr>
+          <a:xfrm>
+            <a:off x="4248726" y="2735816"/>
+            <a:ext cx="226291" cy="193378"/>
+          </a:xfrm>
+          <a:prstGeom prst="rect">
+            <a:avLst/>
+          </a:prstGeom>
+          <a:solidFill>
+            <a:srgbClr val="FFFF00">
+              <a:alpha val="43000"/>
+            </a:srgbClr>
+          </a:solidFill>
+        </p:spPr>
+        <p:style>
+          <a:lnRef idx="2">
+            <a:schemeClr val="accent1">
+              <a:shade val="50000"/>
+            </a:schemeClr>
+          </a:lnRef>
+          <a:fillRef idx="1">
+            <a:schemeClr val="accent1"/>
+          </a:fillRef>
+          <a:effectRef idx="0">
+            <a:schemeClr val="accent1"/>
+          </a:effectRef>
+          <a:fontRef idx="minor">
+            <a:schemeClr val="lt1"/>
+          </a:fontRef>
+        </p:style>
+        <p:txBody>
+          <a:bodyPr rtlCol="0" anchor="ctr"/>
+          <a:lstStyle/>
+          <a:p>
+            <a:pPr algn="ctr"/>
+            <a:endParaRPr lang="en-US"/>
+          </a:p>
+        </p:txBody>
+      </p:sp>
+      <p:sp>
+        <p:nvSpPr>
+          <p:cNvPr id="14" name="Rectangle 13"/>
+          <p:cNvSpPr/>
+          <p:nvPr/>
+        </p:nvSpPr>
+        <p:spPr>
+          <a:xfrm>
+            <a:off x="10290463" y="2735816"/>
+            <a:ext cx="226291" cy="193378"/>
+          </a:xfrm>
+          <a:prstGeom prst="rect">
+            <a:avLst/>
+          </a:prstGeom>
+          <a:solidFill>
+            <a:srgbClr val="FFFF00">
+              <a:alpha val="43000"/>
+            </a:srgbClr>
+          </a:solidFill>
+        </p:spPr>
+        <p:style>
+          <a:lnRef idx="2">
+            <a:schemeClr val="accent1">
+              <a:shade val="50000"/>
+            </a:schemeClr>
+          </a:lnRef>
+          <a:fillRef idx="1">
+            <a:schemeClr val="accent1"/>
+          </a:fillRef>
+          <a:effectRef idx="0">
+            <a:schemeClr val="accent1"/>
+          </a:effectRef>
+          <a:fontRef idx="minor">
+            <a:schemeClr val="lt1"/>
+          </a:fontRef>
+        </p:style>
+        <p:txBody>
+          <a:bodyPr rtlCol="0" anchor="ctr"/>
+          <a:lstStyle/>
+          <a:p>
+            <a:pPr algn="ctr"/>
+            <a:endParaRPr lang="en-US"/>
+          </a:p>
+        </p:txBody>
+      </p:sp>
+      <p:sp>
+        <p:nvSpPr>
+          <p:cNvPr id="15" name="Rectangle 14"/>
+          <p:cNvSpPr/>
+          <p:nvPr/>
+        </p:nvSpPr>
+        <p:spPr>
+          <a:xfrm>
+            <a:off x="11495720" y="2768081"/>
+            <a:ext cx="226291" cy="193378"/>
+          </a:xfrm>
+          <a:prstGeom prst="rect">
+            <a:avLst/>
+          </a:prstGeom>
+          <a:solidFill>
+            <a:srgbClr val="FFFF00">
+              <a:alpha val="43000"/>
+            </a:srgbClr>
+          </a:solidFill>
+        </p:spPr>
+        <p:style>
+          <a:lnRef idx="2">
+            <a:schemeClr val="accent1">
+              <a:shade val="50000"/>
+            </a:schemeClr>
+          </a:lnRef>
+          <a:fillRef idx="1">
+            <a:schemeClr val="accent1"/>
+          </a:fillRef>
+          <a:effectRef idx="0">
+            <a:schemeClr val="accent1"/>
+          </a:effectRef>
+          <a:fontRef idx="minor">
+            <a:schemeClr val="lt1"/>
+          </a:fontRef>
+        </p:style>
+        <p:txBody>
+          <a:bodyPr rtlCol="0" anchor="ctr"/>
+          <a:lstStyle/>
+          <a:p>
+            <a:pPr algn="ctr"/>
+            <a:endParaRPr lang="en-US"/>
+          </a:p>
+        </p:txBody>
+      </p:sp>
+      <p:sp>
+        <p:nvSpPr>
+          <p:cNvPr id="16" name="Rectangle 15"/>
+          <p:cNvSpPr/>
+          <p:nvPr/>
+        </p:nvSpPr>
+        <p:spPr>
+          <a:xfrm>
+            <a:off x="3009278" y="5395951"/>
+            <a:ext cx="226291" cy="193378"/>
+          </a:xfrm>
+          <a:prstGeom prst="rect">
+            <a:avLst/>
+          </a:prstGeom>
+          <a:solidFill>
+            <a:srgbClr val="FFFF00">
+              <a:alpha val="43000"/>
+            </a:srgbClr>
+          </a:solidFill>
+        </p:spPr>
+        <p:style>
+          <a:lnRef idx="2">
+            <a:schemeClr val="accent1">
+              <a:shade val="50000"/>
+            </a:schemeClr>
+          </a:lnRef>
+          <a:fillRef idx="1">
+            <a:schemeClr val="accent1"/>
+          </a:fillRef>
+          <a:effectRef idx="0">
+            <a:schemeClr val="accent1"/>
+          </a:effectRef>
+          <a:fontRef idx="minor">
+            <a:schemeClr val="lt1"/>
+          </a:fontRef>
+        </p:style>
+        <p:txBody>
+          <a:bodyPr rtlCol="0" anchor="ctr"/>
+          <a:lstStyle/>
+          <a:p>
+            <a:pPr algn="ctr"/>
+            <a:endParaRPr lang="en-US"/>
+          </a:p>
+        </p:txBody>
+      </p:sp>
+      <p:sp>
+        <p:nvSpPr>
+          <p:cNvPr id="17" name="Rectangle 16"/>
+          <p:cNvSpPr/>
+          <p:nvPr/>
+        </p:nvSpPr>
+        <p:spPr>
+          <a:xfrm>
+            <a:off x="4248726" y="5395951"/>
+            <a:ext cx="226291" cy="193378"/>
+          </a:xfrm>
+          <a:prstGeom prst="rect">
+            <a:avLst/>
+          </a:prstGeom>
+          <a:solidFill>
+            <a:srgbClr val="FFFF00">
+              <a:alpha val="43000"/>
+            </a:srgbClr>
+          </a:solidFill>
+        </p:spPr>
+        <p:style>
+          <a:lnRef idx="2">
+            <a:schemeClr val="accent1">
+              <a:shade val="50000"/>
+            </a:schemeClr>
+          </a:lnRef>
+          <a:fillRef idx="1">
+            <a:schemeClr val="accent1"/>
+          </a:fillRef>
+          <a:effectRef idx="0">
+            <a:schemeClr val="accent1"/>
+          </a:effectRef>
+          <a:fontRef idx="minor">
+            <a:schemeClr val="lt1"/>
+          </a:fontRef>
+        </p:style>
+        <p:txBody>
+          <a:bodyPr rtlCol="0" anchor="ctr"/>
+          <a:lstStyle/>
+          <a:p>
+            <a:pPr algn="ctr"/>
+            <a:endParaRPr lang="en-US"/>
+          </a:p>
+        </p:txBody>
+      </p:sp>
+      <p:sp>
+        <p:nvSpPr>
+          <p:cNvPr id="18" name="Rectangle 17"/>
+          <p:cNvSpPr/>
+          <p:nvPr/>
+        </p:nvSpPr>
+        <p:spPr>
+          <a:xfrm>
+            <a:off x="7813215" y="5410885"/>
+            <a:ext cx="226291" cy="193378"/>
+          </a:xfrm>
+          <a:prstGeom prst="rect">
+            <a:avLst/>
+          </a:prstGeom>
+          <a:solidFill>
+            <a:srgbClr val="FFFF00">
+              <a:alpha val="43000"/>
+            </a:srgbClr>
+          </a:solidFill>
+        </p:spPr>
+        <p:style>
+          <a:lnRef idx="2">
+            <a:schemeClr val="accent1">
+              <a:shade val="50000"/>
+            </a:schemeClr>
+          </a:lnRef>
+          <a:fillRef idx="1">
+            <a:schemeClr val="accent1"/>
+          </a:fillRef>
+          <a:effectRef idx="0">
+            <a:schemeClr val="accent1"/>
+          </a:effectRef>
+          <a:fontRef idx="minor">
+            <a:schemeClr val="lt1"/>
+          </a:fontRef>
+        </p:style>
+        <p:txBody>
+          <a:bodyPr rtlCol="0" anchor="ctr"/>
+          <a:lstStyle/>
+          <a:p>
+            <a:pPr algn="ctr"/>
+            <a:endParaRPr lang="en-US"/>
+          </a:p>
+        </p:txBody>
+      </p:sp>
+      <p:sp>
+        <p:nvSpPr>
+          <p:cNvPr id="19" name="Rectangle 18"/>
+          <p:cNvSpPr/>
+          <p:nvPr/>
+        </p:nvSpPr>
+        <p:spPr>
+          <a:xfrm>
+            <a:off x="11442432" y="5410885"/>
+            <a:ext cx="226291" cy="193378"/>
+          </a:xfrm>
+          <a:prstGeom prst="rect">
+            <a:avLst/>
+          </a:prstGeom>
+          <a:solidFill>
+            <a:srgbClr val="FFFF00">
+              <a:alpha val="43000"/>
+            </a:srgbClr>
+          </a:solidFill>
+        </p:spPr>
+        <p:style>
+          <a:lnRef idx="2">
+            <a:schemeClr val="accent1">
+              <a:shade val="50000"/>
+            </a:schemeClr>
+          </a:lnRef>
+          <a:fillRef idx="1">
+            <a:schemeClr val="accent1"/>
+          </a:fillRef>
+          <a:effectRef idx="0">
+            <a:schemeClr val="accent1"/>
+          </a:effectRef>
+          <a:fontRef idx="minor">
+            <a:schemeClr val="lt1"/>
+          </a:fontRef>
+        </p:style>
+        <p:txBody>
+          <a:bodyPr rtlCol="0" anchor="ctr"/>
+          <a:lstStyle/>
+          <a:p>
+            <a:pPr algn="ctr"/>
+            <a:endParaRPr lang="en-US"/>
+          </a:p>
+        </p:txBody>
+      </p:sp>
+      <p:sp>
+        <p:nvSpPr>
+          <p:cNvPr id="20" name="Rectangle 19"/>
+          <p:cNvSpPr/>
+          <p:nvPr/>
+        </p:nvSpPr>
+        <p:spPr>
+          <a:xfrm>
+            <a:off x="10290463" y="5397511"/>
+            <a:ext cx="226291" cy="193378"/>
+          </a:xfrm>
+          <a:prstGeom prst="rect">
+            <a:avLst/>
+          </a:prstGeom>
+          <a:solidFill>
+            <a:srgbClr val="FFFF00">
+              <a:alpha val="43000"/>
+            </a:srgbClr>
+          </a:solidFill>
+        </p:spPr>
+        <p:style>
+          <a:lnRef idx="2">
+            <a:schemeClr val="accent1">
+              <a:shade val="50000"/>
+            </a:schemeClr>
+          </a:lnRef>
+          <a:fillRef idx="1">
+            <a:schemeClr val="accent1"/>
+          </a:fillRef>
+          <a:effectRef idx="0">
+            <a:schemeClr val="accent1"/>
+          </a:effectRef>
+          <a:fontRef idx="minor">
+            <a:schemeClr val="lt1"/>
+          </a:fontRef>
+        </p:style>
+        <p:txBody>
+          <a:bodyPr rtlCol="0" anchor="ctr"/>
+          <a:lstStyle/>
+          <a:p>
+            <a:pPr algn="ctr"/>
+            <a:endParaRPr lang="en-US"/>
+          </a:p>
+        </p:txBody>
+      </p:sp>
     </p:spTree>
     <p:extLst>
       <p:ext uri="{BB962C8B-B14F-4D97-AF65-F5344CB8AC3E}">
-        <p14:creationId xmlns:p14="http://schemas.microsoft.com/office/powerpoint/2010/main" val="811205434"/>
+        <p14:creationId xmlns:p14="http://schemas.microsoft.com/office/powerpoint/2010/main" val="2430799456"/>
+      </p:ext>
+    </p:extLst>
+  </p:cSld>
+  <p:clrMapOvr>
+    <a:masterClrMapping/>
+  </p:clrMapOvr>
+</p:sld>
+</file>
+
+<file path=ppt/slides/slide9.xml><?xml version="1.0" encoding="utf-8"?>
+<p:sld xmlns:a="http://schemas.openxmlformats.org/drawingml/2006/main" xmlns:r="http://schemas.openxmlformats.org/officeDocument/2006/relationships" xmlns:p="http://schemas.openxmlformats.org/presentationml/2006/main">
+  <p:cSld>
+    <p:spTree>
+      <p:nvGrpSpPr>
+        <p:cNvPr id="1" name=""/>
+        <p:cNvGrpSpPr/>
+        <p:nvPr/>
+      </p:nvGrpSpPr>
+      <p:grpSpPr>
+        <a:xfrm>
+          <a:off x="0" y="0"/>
+          <a:ext cx="0" cy="0"/>
+          <a:chOff x="0" y="0"/>
+          <a:chExt cx="0" cy="0"/>
+        </a:xfrm>
+      </p:grpSpPr>
+      <p:sp>
+        <p:nvSpPr>
+          <p:cNvPr id="2" name="Title 1"/>
+          <p:cNvSpPr>
+            <a:spLocks noGrp="1"/>
+          </p:cNvSpPr>
+          <p:nvPr>
+            <p:ph type="title"/>
+          </p:nvPr>
+        </p:nvSpPr>
+        <p:spPr/>
+        <p:txBody>
+          <a:bodyPr/>
+          <a:lstStyle/>
+          <a:p>
+            <a:r>
+              <a:rPr lang="en-US" dirty="0" smtClean="0"/>
+              <a:t>Evaluation Summary</a:t>
+            </a:r>
+            <a:endParaRPr lang="en-US" dirty="0"/>
+          </a:p>
+        </p:txBody>
+      </p:sp>
+      <p:sp>
+        <p:nvSpPr>
+          <p:cNvPr id="4" name="Slide Number Placeholder 3"/>
+          <p:cNvSpPr>
+            <a:spLocks noGrp="1"/>
+          </p:cNvSpPr>
+          <p:nvPr>
+            <p:ph type="sldNum" sz="quarter" idx="12"/>
+          </p:nvPr>
+        </p:nvSpPr>
+        <p:spPr/>
+        <p:txBody>
+          <a:bodyPr/>
+          <a:lstStyle/>
+          <a:p>
+            <a:fld id="{38A27C39-69BC-486E-A789-EB1E62B74FE5}" type="slidenum">
+              <a:rPr lang="en-US" smtClean="0"/>
+              <a:t>9</a:t>
+            </a:fld>
+            <a:endParaRPr lang="en-US"/>
+          </a:p>
+        </p:txBody>
+      </p:sp>
+      <p:pic>
+        <p:nvPicPr>
+          <p:cNvPr id="5" name="Picture 4"/>
+          <p:cNvPicPr>
+            <a:picLocks noChangeAspect="1"/>
+          </p:cNvPicPr>
+          <p:nvPr/>
+        </p:nvPicPr>
+        <p:blipFill>
+          <a:blip r:embed="rId2"/>
+          <a:stretch>
+            <a:fillRect/>
+          </a:stretch>
+        </p:blipFill>
+        <p:spPr>
+          <a:xfrm>
+            <a:off x="1472334" y="1622088"/>
+            <a:ext cx="9740611" cy="4758412"/>
+          </a:xfrm>
+          <a:prstGeom prst="rect">
+            <a:avLst/>
+          </a:prstGeom>
+        </p:spPr>
+      </p:pic>
+    </p:spTree>
+    <p:extLst>
+      <p:ext uri="{BB962C8B-B14F-4D97-AF65-F5344CB8AC3E}">
+        <p14:creationId xmlns:p14="http://schemas.microsoft.com/office/powerpoint/2010/main" val="1990986294"/>
       </p:ext>
     </p:extLst>
   </p:cSld>
